--- a/docs/diagrams/LogicComponentSequenceDiagram.pptx
+++ b/docs/diagrams/LogicComponentSequenceDiagram.pptx
@@ -8,7 +8,7 @@
     <p:notesMasterId r:id="rId3"/>
   </p:notesMasterIdLst>
   <p:sldIdLst>
-    <p:sldId id="266" r:id="rId2"/>
+    <p:sldId id="267" r:id="rId2"/>
   </p:sldIdLst>
   <p:sldSz cx="12192000" cy="6858000"/>
   <p:notesSz cx="6858000" cy="9144000"/>
@@ -110,7 +110,7 @@
   <p:extLst>
     <p:ext uri="{EFAFB233-063F-42B5-8137-9DF3F51BA10A}">
       <p15:sldGuideLst xmlns:p15="http://schemas.microsoft.com/office/powerpoint/2012/main">
-        <p15:guide id="1" orient="horz" pos="1488" userDrawn="1">
+        <p15:guide id="1" orient="horz" pos="2160" userDrawn="1">
           <p15:clr>
             <a:srgbClr val="A4A3A4"/>
           </p15:clr>
@@ -208,7 +208,7 @@
           <a:p>
             <a:fld id="{F5CC4B3F-88C1-4FFA-B1B6-F41C21DC6924}" type="datetimeFigureOut">
               <a:rPr lang="en-US" smtClean="0"/>
-              <a:t>2/26/2019</a:t>
+              <a:t>3/4/2019</a:t>
             </a:fld>
             <a:endParaRPr lang="en-US"/>
           </a:p>
@@ -475,95 +475,6 @@
 </p:notesMaster>
 </file>
 
-<file path=ppt/notesSlides/notesSlide1.xml><?xml version="1.0" encoding="utf-8"?>
-<p:notes xmlns:a="http://schemas.openxmlformats.org/drawingml/2006/main" xmlns:r="http://schemas.openxmlformats.org/officeDocument/2006/relationships" xmlns:p="http://schemas.openxmlformats.org/presentationml/2006/main">
-  <p:cSld>
-    <p:spTree>
-      <p:nvGrpSpPr>
-        <p:cNvPr id="1" name=""/>
-        <p:cNvGrpSpPr/>
-        <p:nvPr/>
-      </p:nvGrpSpPr>
-      <p:grpSpPr>
-        <a:xfrm>
-          <a:off x="0" y="0"/>
-          <a:ext cx="0" cy="0"/>
-          <a:chOff x="0" y="0"/>
-          <a:chExt cx="0" cy="0"/>
-        </a:xfrm>
-      </p:grpSpPr>
-      <p:sp>
-        <p:nvSpPr>
-          <p:cNvPr id="2" name="Slide Image Placeholder 1"/>
-          <p:cNvSpPr>
-            <a:spLocks noGrp="1" noRot="1" noChangeAspect="1"/>
-          </p:cNvSpPr>
-          <p:nvPr>
-            <p:ph type="sldImg"/>
-          </p:nvPr>
-        </p:nvSpPr>
-        <p:spPr>
-          <a:xfrm>
-            <a:off x="381000" y="685800"/>
-            <a:ext cx="6096000" cy="3429000"/>
-          </a:xfrm>
-        </p:spPr>
-      </p:sp>
-      <p:sp>
-        <p:nvSpPr>
-          <p:cNvPr id="3" name="Notes Placeholder 2"/>
-          <p:cNvSpPr>
-            <a:spLocks noGrp="1"/>
-          </p:cNvSpPr>
-          <p:nvPr>
-            <p:ph type="body" idx="1"/>
-          </p:nvPr>
-        </p:nvSpPr>
-        <p:spPr/>
-        <p:txBody>
-          <a:bodyPr/>
-          <a:lstStyle/>
-          <a:p>
-            <a:endParaRPr lang="en-SG" dirty="0"/>
-          </a:p>
-        </p:txBody>
-      </p:sp>
-      <p:sp>
-        <p:nvSpPr>
-          <p:cNvPr id="4" name="Slide Number Placeholder 3"/>
-          <p:cNvSpPr>
-            <a:spLocks noGrp="1"/>
-          </p:cNvSpPr>
-          <p:nvPr>
-            <p:ph type="sldNum" sz="quarter" idx="5"/>
-          </p:nvPr>
-        </p:nvSpPr>
-        <p:spPr/>
-        <p:txBody>
-          <a:bodyPr/>
-          <a:lstStyle/>
-          <a:p>
-            <a:fld id="{5A7AB025-77E3-4BD1-A2FD-B3183DBA47A3}" type="slidenum">
-              <a:rPr lang="en-US" smtClean="0"/>
-              <a:t>1</a:t>
-            </a:fld>
-            <a:endParaRPr lang="en-US"/>
-          </a:p>
-        </p:txBody>
-      </p:sp>
-    </p:spTree>
-    <p:extLst>
-      <p:ext uri="{BB962C8B-B14F-4D97-AF65-F5344CB8AC3E}">
-        <p14:creationId xmlns:p14="http://schemas.microsoft.com/office/powerpoint/2010/main" val="2503452583"/>
-      </p:ext>
-    </p:extLst>
-  </p:cSld>
-  <p:clrMapOvr>
-    <a:masterClrMapping/>
-  </p:clrMapOvr>
-</p:notes>
-</file>
-
 <file path=ppt/slideLayouts/slideLayout1.xml><?xml version="1.0" encoding="utf-8"?>
 <p:sldLayout xmlns:a="http://schemas.openxmlformats.org/drawingml/2006/main" xmlns:r="http://schemas.openxmlformats.org/officeDocument/2006/relationships" xmlns:p="http://schemas.openxmlformats.org/presentationml/2006/main" type="title" preserve="1">
   <p:cSld name="Title Slide">
@@ -743,7 +654,7 @@
           <a:p>
             <a:fld id="{78C97017-6FC3-485B-9764-EAC9E56C1D49}" type="datetimeFigureOut">
               <a:rPr lang="en-US" smtClean="0"/>
-              <a:t>2/26/2019</a:t>
+              <a:t>3/4/2019</a:t>
             </a:fld>
             <a:endParaRPr lang="en-US"/>
           </a:p>
@@ -911,7 +822,7 @@
           <a:p>
             <a:fld id="{78C97017-6FC3-485B-9764-EAC9E56C1D49}" type="datetimeFigureOut">
               <a:rPr lang="en-US" smtClean="0"/>
-              <a:t>2/26/2019</a:t>
+              <a:t>3/4/2019</a:t>
             </a:fld>
             <a:endParaRPr lang="en-US"/>
           </a:p>
@@ -1089,7 +1000,7 @@
           <a:p>
             <a:fld id="{78C97017-6FC3-485B-9764-EAC9E56C1D49}" type="datetimeFigureOut">
               <a:rPr lang="en-US" smtClean="0"/>
-              <a:t>2/26/2019</a:t>
+              <a:t>3/4/2019</a:t>
             </a:fld>
             <a:endParaRPr lang="en-US"/>
           </a:p>
@@ -1257,7 +1168,7 @@
           <a:p>
             <a:fld id="{78C97017-6FC3-485B-9764-EAC9E56C1D49}" type="datetimeFigureOut">
               <a:rPr lang="en-US" smtClean="0"/>
-              <a:t>2/26/2019</a:t>
+              <a:t>3/4/2019</a:t>
             </a:fld>
             <a:endParaRPr lang="en-US"/>
           </a:p>
@@ -1502,7 +1413,7 @@
           <a:p>
             <a:fld id="{78C97017-6FC3-485B-9764-EAC9E56C1D49}" type="datetimeFigureOut">
               <a:rPr lang="en-US" smtClean="0"/>
-              <a:t>2/26/2019</a:t>
+              <a:t>3/4/2019</a:t>
             </a:fld>
             <a:endParaRPr lang="en-US"/>
           </a:p>
@@ -1787,7 +1698,7 @@
           <a:p>
             <a:fld id="{78C97017-6FC3-485B-9764-EAC9E56C1D49}" type="datetimeFigureOut">
               <a:rPr lang="en-US" smtClean="0"/>
-              <a:t>2/26/2019</a:t>
+              <a:t>3/4/2019</a:t>
             </a:fld>
             <a:endParaRPr lang="en-US"/>
           </a:p>
@@ -2206,7 +2117,7 @@
           <a:p>
             <a:fld id="{78C97017-6FC3-485B-9764-EAC9E56C1D49}" type="datetimeFigureOut">
               <a:rPr lang="en-US" smtClean="0"/>
-              <a:t>2/26/2019</a:t>
+              <a:t>3/4/2019</a:t>
             </a:fld>
             <a:endParaRPr lang="en-US"/>
           </a:p>
@@ -2323,7 +2234,7 @@
           <a:p>
             <a:fld id="{78C97017-6FC3-485B-9764-EAC9E56C1D49}" type="datetimeFigureOut">
               <a:rPr lang="en-US" smtClean="0"/>
-              <a:t>2/26/2019</a:t>
+              <a:t>3/4/2019</a:t>
             </a:fld>
             <a:endParaRPr lang="en-US"/>
           </a:p>
@@ -2418,7 +2329,7 @@
           <a:p>
             <a:fld id="{78C97017-6FC3-485B-9764-EAC9E56C1D49}" type="datetimeFigureOut">
               <a:rPr lang="en-US" smtClean="0"/>
-              <a:t>2/26/2019</a:t>
+              <a:t>3/4/2019</a:t>
             </a:fld>
             <a:endParaRPr lang="en-US"/>
           </a:p>
@@ -2693,7 +2604,7 @@
           <a:p>
             <a:fld id="{78C97017-6FC3-485B-9764-EAC9E56C1D49}" type="datetimeFigureOut">
               <a:rPr lang="en-US" smtClean="0"/>
-              <a:t>2/26/2019</a:t>
+              <a:t>3/4/2019</a:t>
             </a:fld>
             <a:endParaRPr lang="en-US"/>
           </a:p>
@@ -2945,7 +2856,7 @@
           <a:p>
             <a:fld id="{78C97017-6FC3-485B-9764-EAC9E56C1D49}" type="datetimeFigureOut">
               <a:rPr lang="en-US" smtClean="0"/>
-              <a:t>2/26/2019</a:t>
+              <a:t>3/4/2019</a:t>
             </a:fld>
             <a:endParaRPr lang="en-US"/>
           </a:p>
@@ -3156,7 +3067,7 @@
           <a:p>
             <a:fld id="{78C97017-6FC3-485B-9764-EAC9E56C1D49}" type="datetimeFigureOut">
               <a:rPr lang="en-US" smtClean="0"/>
-              <a:t>2/26/2019</a:t>
+              <a:t>3/4/2019</a:t>
             </a:fld>
             <a:endParaRPr lang="en-US"/>
           </a:p>
@@ -3536,7 +3447,7 @@
           <p:cNvPr id="3" name="Group 2">
             <a:extLst>
               <a:ext uri="{FF2B5EF4-FFF2-40B4-BE49-F238E27FC236}">
-                <a16:creationId xmlns:a16="http://schemas.microsoft.com/office/drawing/2014/main" id="{8D297D26-981B-463A-A2CB-09CE48000127}"/>
+                <a16:creationId xmlns:a16="http://schemas.microsoft.com/office/drawing/2014/main" id="{1CC36A38-C027-4CAA-BED0-6278A4176A68}"/>
               </a:ext>
             </a:extLst>
           </p:cNvPr>
@@ -3545,33 +3456,36 @@
         </p:nvGrpSpPr>
         <p:grpSpPr>
           <a:xfrm>
-            <a:off x="2434815" y="2146326"/>
-            <a:ext cx="7358322" cy="2667000"/>
-            <a:chOff x="910815" y="2146326"/>
-            <a:chExt cx="7358322" cy="2667000"/>
+            <a:off x="1524000" y="1295400"/>
+            <a:ext cx="9296400" cy="4000286"/>
+            <a:chOff x="1524000" y="1295400"/>
+            <a:chExt cx="9296400" cy="4000286"/>
           </a:xfrm>
         </p:grpSpPr>
         <p:sp>
           <p:nvSpPr>
-            <p:cNvPr id="2" name="Rectangle 62"/>
+            <p:cNvPr id="81" name="Rectangle 65"/>
             <p:cNvSpPr/>
             <p:nvPr/>
           </p:nvSpPr>
           <p:spPr>
             <a:xfrm>
-              <a:off x="1905000" y="2209800"/>
-              <a:ext cx="1093635" cy="346760"/>
+              <a:off x="2209800" y="1295400"/>
+              <a:ext cx="7252956" cy="4000286"/>
             </a:xfrm>
-            <a:prstGeom prst="rect">
-              <a:avLst/>
+            <a:prstGeom prst="roundRect">
+              <a:avLst>
+                <a:gd name="adj" fmla="val 3484"/>
+              </a:avLst>
             </a:prstGeom>
             <a:solidFill>
-              <a:srgbClr val="00B050"/>
+              <a:schemeClr val="accent1">
+                <a:lumMod val="20000"/>
+                <a:lumOff val="80000"/>
+              </a:schemeClr>
             </a:solidFill>
             <a:ln w="19050">
-              <a:solidFill>
-                <a:srgbClr val="00B050"/>
-              </a:solidFill>
+              <a:noFill/>
             </a:ln>
             <a:effectLst/>
           </p:spPr>
@@ -3590,339 +3504,35 @@
             </a:fontRef>
           </p:style>
           <p:txBody>
-            <a:bodyPr rtlCol="0" anchor="ctr"/>
+            <a:bodyPr rtlCol="0" anchor="t"/>
             <a:lstStyle/>
             <a:p>
-              <a:pPr algn="ctr"/>
               <a:r>
-                <a:rPr lang="en-US" sz="1600" dirty="0">
+                <a:rPr lang="en-US" sz="1200" b="1" dirty="0">
                   <a:solidFill>
-                    <a:schemeClr val="bg1"/>
+                    <a:srgbClr val="0070C0"/>
                   </a:solidFill>
                 </a:rPr>
-                <a:t>:UI</a:t>
+                <a:t>Logic</a:t>
               </a:r>
-              <a:endParaRPr lang="en-SG" sz="1600" dirty="0">
+              <a:endParaRPr lang="en-SG" sz="1200" b="1" dirty="0">
                 <a:solidFill>
-                  <a:schemeClr val="bg1"/>
+                  <a:srgbClr val="0070C0"/>
                 </a:solidFill>
               </a:endParaRPr>
             </a:p>
           </p:txBody>
         </p:sp>
-        <p:cxnSp>
-          <p:nvCxnSpPr>
-            <p:cNvPr id="5" name="Straight Connector 4"/>
-            <p:cNvCxnSpPr>
-              <a:cxnSpLocks/>
-            </p:cNvCxnSpPr>
-            <p:nvPr/>
-          </p:nvCxnSpPr>
-          <p:spPr>
-            <a:xfrm>
-              <a:off x="2422261" y="2573471"/>
-              <a:ext cx="0" cy="2236189"/>
-            </a:xfrm>
-            <a:prstGeom prst="line">
-              <a:avLst/>
-            </a:prstGeom>
-            <a:ln w="19050">
-              <a:solidFill>
-                <a:srgbClr val="00B050"/>
-              </a:solidFill>
-              <a:prstDash val="sysDash"/>
-            </a:ln>
-            <a:effectLst/>
-          </p:spPr>
-          <p:style>
-            <a:lnRef idx="1">
-              <a:schemeClr val="accent1"/>
-            </a:lnRef>
-            <a:fillRef idx="2">
-              <a:schemeClr val="accent1"/>
-            </a:fillRef>
-            <a:effectRef idx="1">
-              <a:schemeClr val="accent1"/>
-            </a:effectRef>
-            <a:fontRef idx="minor">
-              <a:schemeClr val="dk1"/>
-            </a:fontRef>
-          </p:style>
-        </p:cxnSp>
         <p:sp>
           <p:nvSpPr>
-            <p:cNvPr id="6" name="Rectangle 5"/>
+            <p:cNvPr id="2" name="Rectangle 62"/>
             <p:cNvSpPr/>
             <p:nvPr/>
           </p:nvSpPr>
           <p:spPr>
             <a:xfrm>
-              <a:off x="2350253" y="2924166"/>
-              <a:ext cx="152400" cy="1733094"/>
-            </a:xfrm>
-            <a:prstGeom prst="rect">
-              <a:avLst/>
-            </a:prstGeom>
-            <a:solidFill>
-              <a:srgbClr val="00B050"/>
-            </a:solidFill>
-            <a:ln>
-              <a:solidFill>
-                <a:srgbClr val="00B050"/>
-              </a:solidFill>
-            </a:ln>
-            <a:effectLst/>
-          </p:spPr>
-          <p:style>
-            <a:lnRef idx="1">
-              <a:schemeClr val="accent3"/>
-            </a:lnRef>
-            <a:fillRef idx="2">
-              <a:schemeClr val="accent3"/>
-            </a:fillRef>
-            <a:effectRef idx="1">
-              <a:schemeClr val="accent3"/>
-            </a:effectRef>
-            <a:fontRef idx="minor">
-              <a:schemeClr val="dk1"/>
-            </a:fontRef>
-          </p:style>
-          <p:txBody>
-            <a:bodyPr rtlCol="0" anchor="ctr"/>
-            <a:lstStyle/>
-            <a:p>
-              <a:pPr algn="ctr"/>
-              <a:endParaRPr lang="en-SG" sz="1400"/>
-            </a:p>
-          </p:txBody>
-        </p:sp>
-        <p:grpSp>
-          <p:nvGrpSpPr>
-            <p:cNvPr id="7" name="Actor"/>
-            <p:cNvGrpSpPr/>
-            <p:nvPr/>
-          </p:nvGrpSpPr>
-          <p:grpSpPr>
-            <a:xfrm>
-              <a:off x="910815" y="2146326"/>
-              <a:ext cx="324036" cy="573410"/>
-              <a:chOff x="3239901" y="4149080"/>
-              <a:chExt cx="648072" cy="1146820"/>
-            </a:xfrm>
-          </p:grpSpPr>
-          <p:sp>
-            <p:nvSpPr>
-              <p:cNvPr id="8" name="Flowchart: Connector 7"/>
-              <p:cNvSpPr/>
-              <p:nvPr/>
-            </p:nvSpPr>
-            <p:spPr>
-              <a:xfrm>
-                <a:off x="3419872" y="4149080"/>
-                <a:ext cx="288032" cy="288032"/>
-              </a:xfrm>
-              <a:prstGeom prst="flowChartConnector">
-                <a:avLst/>
-              </a:prstGeom>
-              <a:solidFill>
-                <a:schemeClr val="bg1">
-                  <a:lumMod val="85000"/>
-                </a:schemeClr>
-              </a:solidFill>
-              <a:ln w="28575">
-                <a:solidFill>
-                  <a:schemeClr val="tx1"/>
-                </a:solidFill>
-              </a:ln>
-              <a:effectLst/>
-            </p:spPr>
-            <p:style>
-              <a:lnRef idx="1">
-                <a:schemeClr val="accent4"/>
-              </a:lnRef>
-              <a:fillRef idx="2">
-                <a:schemeClr val="accent4"/>
-              </a:fillRef>
-              <a:effectRef idx="1">
-                <a:schemeClr val="accent4"/>
-              </a:effectRef>
-              <a:fontRef idx="minor">
-                <a:schemeClr val="dk1"/>
-              </a:fontRef>
-            </p:style>
-            <p:txBody>
-              <a:bodyPr rtlCol="0" anchor="ctr"/>
-              <a:lstStyle/>
-              <a:p>
-                <a:pPr algn="ctr"/>
-                <a:endParaRPr lang="en-SG"/>
-              </a:p>
-            </p:txBody>
-          </p:sp>
-          <p:cxnSp>
-            <p:nvCxnSpPr>
-              <p:cNvPr id="9" name="Straight Connector 8"/>
-              <p:cNvCxnSpPr>
-                <a:stCxn id="8" idx="4"/>
-              </p:cNvCxnSpPr>
-              <p:nvPr/>
-            </p:nvCxnSpPr>
-            <p:spPr>
-              <a:xfrm>
-                <a:off x="3563888" y="4437112"/>
-                <a:ext cx="0" cy="504056"/>
-              </a:xfrm>
-              <a:prstGeom prst="line">
-                <a:avLst/>
-              </a:prstGeom>
-              <a:ln w="28575">
-                <a:solidFill>
-                  <a:schemeClr val="tx1"/>
-                </a:solidFill>
-              </a:ln>
-              <a:effectLst/>
-            </p:spPr>
-            <p:style>
-              <a:lnRef idx="1">
-                <a:schemeClr val="accent4"/>
-              </a:lnRef>
-              <a:fillRef idx="2">
-                <a:schemeClr val="accent4"/>
-              </a:fillRef>
-              <a:effectRef idx="1">
-                <a:schemeClr val="accent4"/>
-              </a:effectRef>
-              <a:fontRef idx="minor">
-                <a:schemeClr val="dk1"/>
-              </a:fontRef>
-            </p:style>
-          </p:cxnSp>
-          <p:sp>
-            <p:nvSpPr>
-              <p:cNvPr id="10" name="Freeform 9"/>
-              <p:cNvSpPr/>
-              <p:nvPr/>
-            </p:nvSpPr>
-            <p:spPr>
-              <a:xfrm>
-                <a:off x="3324225" y="4933950"/>
-                <a:ext cx="479425" cy="361950"/>
-              </a:xfrm>
-              <a:custGeom>
-                <a:avLst/>
-                <a:gdLst>
-                  <a:gd name="connsiteX0" fmla="*/ 0 w 479425"/>
-                  <a:gd name="connsiteY0" fmla="*/ 355600 h 361950"/>
-                  <a:gd name="connsiteX1" fmla="*/ 241300 w 479425"/>
-                  <a:gd name="connsiteY1" fmla="*/ 0 h 361950"/>
-                  <a:gd name="connsiteX2" fmla="*/ 479425 w 479425"/>
-                  <a:gd name="connsiteY2" fmla="*/ 361950 h 361950"/>
-                </a:gdLst>
-                <a:ahLst/>
-                <a:cxnLst>
-                  <a:cxn ang="0">
-                    <a:pos x="connsiteX0" y="connsiteY0"/>
-                  </a:cxn>
-                  <a:cxn ang="0">
-                    <a:pos x="connsiteX1" y="connsiteY1"/>
-                  </a:cxn>
-                  <a:cxn ang="0">
-                    <a:pos x="connsiteX2" y="connsiteY2"/>
-                  </a:cxn>
-                </a:cxnLst>
-                <a:rect l="l" t="t" r="r" b="b"/>
-                <a:pathLst>
-                  <a:path w="479425" h="361950">
-                    <a:moveTo>
-                      <a:pt x="0" y="355600"/>
-                    </a:moveTo>
-                    <a:lnTo>
-                      <a:pt x="241300" y="0"/>
-                    </a:lnTo>
-                    <a:lnTo>
-                      <a:pt x="479425" y="361950"/>
-                    </a:lnTo>
-                  </a:path>
-                </a:pathLst>
-              </a:custGeom>
-              <a:noFill/>
-              <a:ln w="28575">
-                <a:solidFill>
-                  <a:schemeClr val="tx1"/>
-                </a:solidFill>
-              </a:ln>
-              <a:effectLst/>
-            </p:spPr>
-            <p:style>
-              <a:lnRef idx="1">
-                <a:schemeClr val="accent4"/>
-              </a:lnRef>
-              <a:fillRef idx="2">
-                <a:schemeClr val="accent4"/>
-              </a:fillRef>
-              <a:effectRef idx="1">
-                <a:schemeClr val="accent4"/>
-              </a:effectRef>
-              <a:fontRef idx="minor">
-                <a:schemeClr val="dk1"/>
-              </a:fontRef>
-            </p:style>
-            <p:txBody>
-              <a:bodyPr rtlCol="0" anchor="ctr"/>
-              <a:lstStyle/>
-              <a:p>
-                <a:pPr algn="ctr"/>
-                <a:endParaRPr lang="en-SG"/>
-              </a:p>
-            </p:txBody>
-          </p:sp>
-          <p:cxnSp>
-            <p:nvCxnSpPr>
-              <p:cNvPr id="11" name="Straight Connector 10"/>
-              <p:cNvCxnSpPr/>
-              <p:nvPr/>
-            </p:nvCxnSpPr>
-            <p:spPr>
-              <a:xfrm>
-                <a:off x="3239901" y="4509120"/>
-                <a:ext cx="648072" cy="0"/>
-              </a:xfrm>
-              <a:prstGeom prst="line">
-                <a:avLst/>
-              </a:prstGeom>
-              <a:ln w="28575">
-                <a:solidFill>
-                  <a:schemeClr val="tx1"/>
-                </a:solidFill>
-              </a:ln>
-              <a:effectLst/>
-            </p:spPr>
-            <p:style>
-              <a:lnRef idx="1">
-                <a:schemeClr val="accent4"/>
-              </a:lnRef>
-              <a:fillRef idx="2">
-                <a:schemeClr val="accent4"/>
-              </a:fillRef>
-              <a:effectRef idx="1">
-                <a:schemeClr val="accent4"/>
-              </a:effectRef>
-              <a:fontRef idx="minor">
-                <a:schemeClr val="dk1"/>
-              </a:fontRef>
-            </p:style>
-          </p:cxnSp>
-        </p:grpSp>
-        <p:sp>
-          <p:nvSpPr>
-            <p:cNvPr id="16" name="Rectangle 62"/>
-            <p:cNvSpPr/>
-            <p:nvPr/>
-          </p:nvSpPr>
-          <p:spPr>
-            <a:xfrm>
-              <a:off x="3560206" y="2217153"/>
-              <a:ext cx="1093635" cy="346760"/>
+              <a:off x="2369046" y="1610746"/>
+              <a:ext cx="1455629" cy="346760"/>
             </a:xfrm>
             <a:prstGeom prst="rect">
               <a:avLst/>
@@ -3962,7 +3572,15 @@
                     <a:schemeClr val="bg1"/>
                   </a:solidFill>
                 </a:rPr>
-                <a:t>:Logic</a:t>
+                <a:t>:</a:t>
+              </a:r>
+              <a:r>
+                <a:rPr lang="en-US" sz="1600" dirty="0" err="1">
+                  <a:solidFill>
+                    <a:schemeClr val="bg1"/>
+                  </a:solidFill>
+                </a:rPr>
+                <a:t>LogicManager</a:t>
               </a:r>
               <a:endParaRPr lang="en-SG" sz="1600" dirty="0">
                 <a:solidFill>
@@ -3974,16 +3592,14 @@
         </p:sp>
         <p:cxnSp>
           <p:nvCxnSpPr>
-            <p:cNvPr id="17" name="Straight Connector 16"/>
-            <p:cNvCxnSpPr>
-              <a:cxnSpLocks/>
-            </p:cNvCxnSpPr>
+            <p:cNvPr id="5" name="Straight Connector 4"/>
+            <p:cNvCxnSpPr/>
             <p:nvPr/>
           </p:nvCxnSpPr>
           <p:spPr>
             <a:xfrm>
-              <a:off x="4107023" y="2580824"/>
-              <a:ext cx="0" cy="2232502"/>
+              <a:off x="3096859" y="1974418"/>
+              <a:ext cx="0" cy="2597583"/>
             </a:xfrm>
             <a:prstGeom prst="line">
               <a:avLst/>
@@ -4013,14 +3629,168 @@
         </p:cxnSp>
         <p:sp>
           <p:nvSpPr>
+            <p:cNvPr id="6" name="Rectangle 5"/>
+            <p:cNvSpPr/>
+            <p:nvPr/>
+          </p:nvSpPr>
+          <p:spPr>
+            <a:xfrm>
+              <a:off x="3024851" y="2325112"/>
+              <a:ext cx="152400" cy="2780287"/>
+            </a:xfrm>
+            <a:prstGeom prst="rect">
+              <a:avLst/>
+            </a:prstGeom>
+            <a:solidFill>
+              <a:srgbClr val="0070C0"/>
+            </a:solidFill>
+            <a:ln>
+              <a:solidFill>
+                <a:srgbClr val="0070C0"/>
+              </a:solidFill>
+            </a:ln>
+            <a:effectLst/>
+          </p:spPr>
+          <p:style>
+            <a:lnRef idx="1">
+              <a:schemeClr val="accent3"/>
+            </a:lnRef>
+            <a:fillRef idx="2">
+              <a:schemeClr val="accent3"/>
+            </a:fillRef>
+            <a:effectRef idx="1">
+              <a:schemeClr val="accent3"/>
+            </a:effectRef>
+            <a:fontRef idx="minor">
+              <a:schemeClr val="dk1"/>
+            </a:fontRef>
+          </p:style>
+          <p:txBody>
+            <a:bodyPr rtlCol="0" anchor="ctr"/>
+            <a:lstStyle/>
+            <a:p>
+              <a:pPr algn="ctr"/>
+              <a:endParaRPr lang="en-SG" sz="1400"/>
+            </a:p>
+          </p:txBody>
+        </p:sp>
+        <p:sp>
+          <p:nvSpPr>
+            <p:cNvPr id="16" name="Rectangle 62"/>
+            <p:cNvSpPr/>
+            <p:nvPr/>
+          </p:nvSpPr>
+          <p:spPr>
+            <a:xfrm>
+              <a:off x="4267200" y="1493509"/>
+              <a:ext cx="1219200" cy="467684"/>
+            </a:xfrm>
+            <a:prstGeom prst="rect">
+              <a:avLst/>
+            </a:prstGeom>
+            <a:solidFill>
+              <a:srgbClr val="0070C0"/>
+            </a:solidFill>
+            <a:ln w="19050">
+              <a:solidFill>
+                <a:srgbClr val="0070C0"/>
+              </a:solidFill>
+            </a:ln>
+            <a:effectLst/>
+          </p:spPr>
+          <p:style>
+            <a:lnRef idx="1">
+              <a:schemeClr val="accent2"/>
+            </a:lnRef>
+            <a:fillRef idx="2">
+              <a:schemeClr val="accent2"/>
+            </a:fillRef>
+            <a:effectRef idx="1">
+              <a:schemeClr val="accent2"/>
+            </a:effectRef>
+            <a:fontRef idx="minor">
+              <a:schemeClr val="dk1"/>
+            </a:fontRef>
+          </p:style>
+          <p:txBody>
+            <a:bodyPr rtlCol="0" anchor="ctr"/>
+            <a:lstStyle/>
+            <a:p>
+              <a:pPr algn="ctr"/>
+              <a:r>
+                <a:rPr lang="en-US" sz="1600" dirty="0">
+                  <a:solidFill>
+                    <a:schemeClr val="bg1"/>
+                  </a:solidFill>
+                </a:rPr>
+                <a:t>:Address</a:t>
+              </a:r>
+            </a:p>
+            <a:p>
+              <a:pPr algn="ctr"/>
+              <a:r>
+                <a:rPr lang="en-US" sz="1600" dirty="0" err="1">
+                  <a:solidFill>
+                    <a:schemeClr val="bg1"/>
+                  </a:solidFill>
+                </a:rPr>
+                <a:t>BookParser</a:t>
+              </a:r>
+              <a:endParaRPr lang="en-SG" sz="1600" dirty="0">
+                <a:solidFill>
+                  <a:schemeClr val="bg1"/>
+                </a:solidFill>
+              </a:endParaRPr>
+            </a:p>
+          </p:txBody>
+        </p:sp>
+        <p:cxnSp>
+          <p:nvCxnSpPr>
+            <p:cNvPr id="17" name="Straight Connector 16"/>
+            <p:cNvCxnSpPr/>
+            <p:nvPr/>
+          </p:nvCxnSpPr>
+          <p:spPr>
+            <a:xfrm>
+              <a:off x="4880599" y="1978104"/>
+              <a:ext cx="0" cy="1695374"/>
+            </a:xfrm>
+            <a:prstGeom prst="line">
+              <a:avLst/>
+            </a:prstGeom>
+            <a:ln w="19050">
+              <a:solidFill>
+                <a:srgbClr val="0070C0"/>
+              </a:solidFill>
+              <a:prstDash val="sysDash"/>
+            </a:ln>
+            <a:effectLst/>
+          </p:spPr>
+          <p:style>
+            <a:lnRef idx="1">
+              <a:schemeClr val="accent1"/>
+            </a:lnRef>
+            <a:fillRef idx="2">
+              <a:schemeClr val="accent1"/>
+            </a:fillRef>
+            <a:effectRef idx="1">
+              <a:schemeClr val="accent1"/>
+            </a:effectRef>
+            <a:fontRef idx="minor">
+              <a:schemeClr val="dk1"/>
+            </a:fontRef>
+          </p:style>
+        </p:cxnSp>
+        <p:sp>
+          <p:nvSpPr>
             <p:cNvPr id="18" name="Rectangle 17"/>
             <p:cNvSpPr/>
             <p:nvPr/>
           </p:nvSpPr>
           <p:spPr>
             <a:xfrm>
-              <a:off x="4035015" y="3039017"/>
-              <a:ext cx="152376" cy="1477495"/>
+              <a:off x="4808591" y="2436297"/>
+              <a:ext cx="174929" cy="1129459"/>
             </a:xfrm>
             <a:prstGeom prst="rect">
               <a:avLst/>
@@ -4066,18 +3836,480 @@
           </p:nvSpPr>
           <p:spPr>
             <a:xfrm>
-              <a:off x="5215412" y="2213466"/>
-              <a:ext cx="1093635" cy="346760"/>
+              <a:off x="7745566" y="2626940"/>
+              <a:ext cx="1093635" cy="461538"/>
             </a:xfrm>
             <a:prstGeom prst="rect">
               <a:avLst/>
             </a:prstGeom>
             <a:solidFill>
-              <a:srgbClr val="7030A0"/>
+              <a:srgbClr val="0070C0"/>
             </a:solidFill>
             <a:ln w="19050">
               <a:solidFill>
-                <a:srgbClr val="7030A0"/>
+                <a:srgbClr val="0070C0"/>
+              </a:solidFill>
+            </a:ln>
+            <a:effectLst/>
+          </p:spPr>
+          <p:style>
+            <a:lnRef idx="1">
+              <a:schemeClr val="accent2"/>
+            </a:lnRef>
+            <a:fillRef idx="2">
+              <a:schemeClr val="accent2"/>
+            </a:fillRef>
+            <a:effectRef idx="1">
+              <a:schemeClr val="accent2"/>
+            </a:effectRef>
+            <a:fontRef idx="minor">
+              <a:schemeClr val="dk1"/>
+            </a:fontRef>
+          </p:style>
+          <p:txBody>
+            <a:bodyPr rtlCol="0" anchor="ctr"/>
+            <a:lstStyle/>
+            <a:p>
+              <a:pPr algn="ctr"/>
+              <a:r>
+                <a:rPr lang="en-US" sz="1600" dirty="0">
+                  <a:solidFill>
+                    <a:schemeClr val="bg1"/>
+                  </a:solidFill>
+                </a:rPr>
+                <a:t>d:Delete</a:t>
+              </a:r>
+              <a:br>
+                <a:rPr lang="en-US" sz="1600" dirty="0">
+                  <a:solidFill>
+                    <a:schemeClr val="bg1"/>
+                  </a:solidFill>
+                </a:rPr>
+              </a:br>
+              <a:r>
+                <a:rPr lang="en-US" sz="1600" dirty="0">
+                  <a:solidFill>
+                    <a:schemeClr val="bg1"/>
+                  </a:solidFill>
+                </a:rPr>
+                <a:t>Command</a:t>
+              </a:r>
+              <a:endParaRPr lang="en-SG" sz="1600" dirty="0">
+                <a:solidFill>
+                  <a:schemeClr val="bg1"/>
+                </a:solidFill>
+              </a:endParaRPr>
+            </a:p>
+          </p:txBody>
+        </p:sp>
+        <p:cxnSp>
+          <p:nvCxnSpPr>
+            <p:cNvPr id="20" name="Straight Connector 19"/>
+            <p:cNvCxnSpPr>
+              <a:stCxn id="21" idx="0"/>
+            </p:cNvCxnSpPr>
+            <p:nvPr/>
+          </p:nvCxnSpPr>
+          <p:spPr>
+            <a:xfrm>
+              <a:off x="8296574" y="3088478"/>
+              <a:ext cx="0" cy="1940722"/>
+            </a:xfrm>
+            <a:prstGeom prst="line">
+              <a:avLst/>
+            </a:prstGeom>
+            <a:ln w="19050">
+              <a:solidFill>
+                <a:srgbClr val="0070C0"/>
+              </a:solidFill>
+              <a:prstDash val="sysDash"/>
+            </a:ln>
+            <a:effectLst/>
+          </p:spPr>
+          <p:style>
+            <a:lnRef idx="1">
+              <a:schemeClr val="accent1"/>
+            </a:lnRef>
+            <a:fillRef idx="2">
+              <a:schemeClr val="accent1"/>
+            </a:fillRef>
+            <a:effectRef idx="1">
+              <a:schemeClr val="accent1"/>
+            </a:effectRef>
+            <a:fontRef idx="minor">
+              <a:schemeClr val="dk1"/>
+            </a:fontRef>
+          </p:style>
+        </p:cxnSp>
+        <p:sp>
+          <p:nvSpPr>
+            <p:cNvPr id="21" name="Rectangle 20"/>
+            <p:cNvSpPr/>
+            <p:nvPr/>
+          </p:nvSpPr>
+          <p:spPr>
+            <a:xfrm>
+              <a:off x="8220374" y="3088479"/>
+              <a:ext cx="152400" cy="276003"/>
+            </a:xfrm>
+            <a:prstGeom prst="rect">
+              <a:avLst/>
+            </a:prstGeom>
+            <a:solidFill>
+              <a:srgbClr val="0070C0"/>
+            </a:solidFill>
+            <a:ln>
+              <a:solidFill>
+                <a:srgbClr val="0070C0"/>
+              </a:solidFill>
+            </a:ln>
+            <a:effectLst/>
+          </p:spPr>
+          <p:style>
+            <a:lnRef idx="1">
+              <a:schemeClr val="accent3"/>
+            </a:lnRef>
+            <a:fillRef idx="2">
+              <a:schemeClr val="accent3"/>
+            </a:fillRef>
+            <a:effectRef idx="1">
+              <a:schemeClr val="accent3"/>
+            </a:effectRef>
+            <a:fontRef idx="minor">
+              <a:schemeClr val="dk1"/>
+            </a:fontRef>
+          </p:style>
+          <p:txBody>
+            <a:bodyPr rtlCol="0" anchor="ctr"/>
+            <a:lstStyle/>
+            <a:p>
+              <a:pPr algn="ctr"/>
+              <a:endParaRPr lang="en-SG" sz="1400"/>
+            </a:p>
+          </p:txBody>
+        </p:sp>
+        <p:cxnSp>
+          <p:nvCxnSpPr>
+            <p:cNvPr id="23" name="Straight Arrow Connector 22"/>
+            <p:cNvCxnSpPr/>
+            <p:nvPr/>
+          </p:nvCxnSpPr>
+          <p:spPr>
+            <a:xfrm>
+              <a:off x="1905001" y="2328799"/>
+              <a:ext cx="1119851" cy="0"/>
+            </a:xfrm>
+            <a:prstGeom prst="straightConnector1">
+              <a:avLst/>
+            </a:prstGeom>
+            <a:ln w="19050">
+              <a:solidFill>
+                <a:srgbClr val="00B050"/>
+              </a:solidFill>
+              <a:tailEnd type="arrow"/>
+            </a:ln>
+          </p:spPr>
+          <p:style>
+            <a:lnRef idx="1">
+              <a:schemeClr val="accent1"/>
+            </a:lnRef>
+            <a:fillRef idx="0">
+              <a:schemeClr val="accent1"/>
+            </a:fillRef>
+            <a:effectRef idx="0">
+              <a:schemeClr val="accent1"/>
+            </a:effectRef>
+            <a:fontRef idx="minor">
+              <a:schemeClr val="tx1"/>
+            </a:fontRef>
+          </p:style>
+        </p:cxnSp>
+        <p:cxnSp>
+          <p:nvCxnSpPr>
+            <p:cNvPr id="25" name="Straight Arrow Connector 24"/>
+            <p:cNvCxnSpPr/>
+            <p:nvPr/>
+          </p:nvCxnSpPr>
+          <p:spPr>
+            <a:xfrm flipV="1">
+              <a:off x="3177251" y="2436298"/>
+              <a:ext cx="1596514" cy="1"/>
+            </a:xfrm>
+            <a:prstGeom prst="straightConnector1">
+              <a:avLst/>
+            </a:prstGeom>
+            <a:ln w="19050">
+              <a:solidFill>
+                <a:srgbClr val="0070C0"/>
+              </a:solidFill>
+              <a:tailEnd type="arrow"/>
+            </a:ln>
+          </p:spPr>
+          <p:style>
+            <a:lnRef idx="1">
+              <a:schemeClr val="accent1"/>
+            </a:lnRef>
+            <a:fillRef idx="0">
+              <a:schemeClr val="accent1"/>
+            </a:fillRef>
+            <a:effectRef idx="0">
+              <a:schemeClr val="accent1"/>
+            </a:effectRef>
+            <a:fontRef idx="minor">
+              <a:schemeClr val="tx1"/>
+            </a:fontRef>
+          </p:style>
+        </p:cxnSp>
+        <p:sp>
+          <p:nvSpPr>
+            <p:cNvPr id="26" name="TextBox 25"/>
+            <p:cNvSpPr txBox="1"/>
+            <p:nvPr/>
+          </p:nvSpPr>
+          <p:spPr>
+            <a:xfrm>
+              <a:off x="1524000" y="2057400"/>
+              <a:ext cx="1424846" cy="215444"/>
+            </a:xfrm>
+            <a:prstGeom prst="rect">
+              <a:avLst/>
+            </a:prstGeom>
+            <a:noFill/>
+          </p:spPr>
+          <p:txBody>
+            <a:bodyPr wrap="square" lIns="0" tIns="0" rIns="0" bIns="0" rtlCol="0">
+              <a:spAutoFit/>
+            </a:bodyPr>
+            <a:lstStyle/>
+            <a:p>
+              <a:pPr algn="r"/>
+              <a:r>
+                <a:rPr lang="en-US" sz="1400" dirty="0">
+                  <a:solidFill>
+                    <a:srgbClr val="0070C0"/>
+                  </a:solidFill>
+                </a:rPr>
+                <a:t>execute(“delete 1”)</a:t>
+              </a:r>
+            </a:p>
+          </p:txBody>
+        </p:sp>
+        <p:cxnSp>
+          <p:nvCxnSpPr>
+            <p:cNvPr id="28" name="Straight Arrow Connector 27"/>
+            <p:cNvCxnSpPr/>
+            <p:nvPr/>
+          </p:nvCxnSpPr>
+          <p:spPr>
+            <a:xfrm flipV="1">
+              <a:off x="6781218" y="3017415"/>
+              <a:ext cx="922392" cy="1"/>
+            </a:xfrm>
+            <a:prstGeom prst="straightConnector1">
+              <a:avLst/>
+            </a:prstGeom>
+            <a:ln w="19050">
+              <a:solidFill>
+                <a:srgbClr val="0070C0"/>
+              </a:solidFill>
+              <a:tailEnd type="arrow"/>
+            </a:ln>
+          </p:spPr>
+          <p:style>
+            <a:lnRef idx="1">
+              <a:schemeClr val="accent1"/>
+            </a:lnRef>
+            <a:fillRef idx="0">
+              <a:schemeClr val="accent1"/>
+            </a:fillRef>
+            <a:effectRef idx="0">
+              <a:schemeClr val="accent1"/>
+            </a:effectRef>
+            <a:fontRef idx="minor">
+              <a:schemeClr val="tx1"/>
+            </a:fontRef>
+          </p:style>
+        </p:cxnSp>
+        <p:sp>
+          <p:nvSpPr>
+            <p:cNvPr id="29" name="TextBox 28"/>
+            <p:cNvSpPr txBox="1"/>
+            <p:nvPr/>
+          </p:nvSpPr>
+          <p:spPr>
+            <a:xfrm>
+              <a:off x="5781583" y="3565756"/>
+              <a:ext cx="855809" cy="215444"/>
+            </a:xfrm>
+            <a:prstGeom prst="rect">
+              <a:avLst/>
+            </a:prstGeom>
+            <a:noFill/>
+          </p:spPr>
+          <p:txBody>
+            <a:bodyPr wrap="square" lIns="0" tIns="0" rIns="0" bIns="0" rtlCol="0">
+              <a:spAutoFit/>
+            </a:bodyPr>
+            <a:lstStyle>
+              <a:defPPr>
+                <a:defRPr lang="en-US"/>
+              </a:defPPr>
+              <a:lvl1pPr algn="r">
+                <a:defRPr sz="1400">
+                  <a:solidFill>
+                    <a:srgbClr val="0070C0"/>
+                  </a:solidFill>
+                </a:defRPr>
+              </a:lvl1pPr>
+            </a:lstStyle>
+            <a:p>
+              <a:r>
+                <a:rPr lang="en-US" dirty="0"/>
+                <a:t>execute()</a:t>
+              </a:r>
+            </a:p>
+          </p:txBody>
+        </p:sp>
+        <p:cxnSp>
+          <p:nvCxnSpPr>
+            <p:cNvPr id="34" name="Straight Arrow Connector 33"/>
+            <p:cNvCxnSpPr/>
+            <p:nvPr/>
+          </p:nvCxnSpPr>
+          <p:spPr>
+            <a:xfrm>
+              <a:off x="6781800" y="3364481"/>
+              <a:ext cx="1492974" cy="0"/>
+            </a:xfrm>
+            <a:prstGeom prst="straightConnector1">
+              <a:avLst/>
+            </a:prstGeom>
+            <a:ln w="19050">
+              <a:solidFill>
+                <a:srgbClr val="0070C0"/>
+              </a:solidFill>
+              <a:prstDash val="sysDash"/>
+              <a:headEnd type="arrow" w="med" len="med"/>
+              <a:tailEnd type="none" w="med" len="med"/>
+            </a:ln>
+          </p:spPr>
+          <p:style>
+            <a:lnRef idx="1">
+              <a:schemeClr val="accent1"/>
+            </a:lnRef>
+            <a:fillRef idx="0">
+              <a:schemeClr val="accent1"/>
+            </a:fillRef>
+            <a:effectRef idx="0">
+              <a:schemeClr val="accent1"/>
+            </a:effectRef>
+            <a:fontRef idx="minor">
+              <a:schemeClr val="tx1"/>
+            </a:fontRef>
+          </p:style>
+        </p:cxnSp>
+        <p:cxnSp>
+          <p:nvCxnSpPr>
+            <p:cNvPr id="35" name="Straight Arrow Connector 34"/>
+            <p:cNvCxnSpPr/>
+            <p:nvPr/>
+          </p:nvCxnSpPr>
+          <p:spPr>
+            <a:xfrm flipV="1">
+              <a:off x="3194186" y="3557431"/>
+              <a:ext cx="1596514" cy="5378"/>
+            </a:xfrm>
+            <a:prstGeom prst="straightConnector1">
+              <a:avLst/>
+            </a:prstGeom>
+            <a:ln w="19050">
+              <a:solidFill>
+                <a:srgbClr val="0070C0"/>
+              </a:solidFill>
+              <a:prstDash val="sysDash"/>
+              <a:headEnd type="arrow" w="med" len="med"/>
+              <a:tailEnd type="none" w="med" len="med"/>
+            </a:ln>
+          </p:spPr>
+          <p:style>
+            <a:lnRef idx="1">
+              <a:schemeClr val="accent1"/>
+            </a:lnRef>
+            <a:fillRef idx="0">
+              <a:schemeClr val="accent1"/>
+            </a:fillRef>
+            <a:effectRef idx="0">
+              <a:schemeClr val="accent1"/>
+            </a:effectRef>
+            <a:fontRef idx="minor">
+              <a:schemeClr val="tx1"/>
+            </a:fontRef>
+          </p:style>
+        </p:cxnSp>
+        <p:cxnSp>
+          <p:nvCxnSpPr>
+            <p:cNvPr id="37" name="Straight Arrow Connector 36"/>
+            <p:cNvCxnSpPr/>
+            <p:nvPr/>
+          </p:nvCxnSpPr>
+          <p:spPr>
+            <a:xfrm>
+              <a:off x="1828801" y="5105400"/>
+              <a:ext cx="1196051" cy="0"/>
+            </a:xfrm>
+            <a:prstGeom prst="straightConnector1">
+              <a:avLst/>
+            </a:prstGeom>
+            <a:ln w="19050">
+              <a:solidFill>
+                <a:schemeClr val="accent1"/>
+              </a:solidFill>
+              <a:prstDash val="sysDash"/>
+              <a:headEnd type="arrow" w="med" len="med"/>
+              <a:tailEnd type="none" w="med" len="med"/>
+            </a:ln>
+          </p:spPr>
+          <p:style>
+            <a:lnRef idx="1">
+              <a:schemeClr val="accent1"/>
+            </a:lnRef>
+            <a:fillRef idx="0">
+              <a:schemeClr val="accent1"/>
+            </a:fillRef>
+            <a:effectRef idx="0">
+              <a:schemeClr val="accent1"/>
+            </a:effectRef>
+            <a:fontRef idx="minor">
+              <a:schemeClr val="tx1"/>
+            </a:fontRef>
+          </p:style>
+        </p:cxnSp>
+        <p:sp>
+          <p:nvSpPr>
+            <p:cNvPr id="39" name="Rectangle 62"/>
+            <p:cNvSpPr/>
+            <p:nvPr/>
+          </p:nvSpPr>
+          <p:spPr>
+            <a:xfrm>
+              <a:off x="9789896" y="1676400"/>
+              <a:ext cx="1030504" cy="346760"/>
+            </a:xfrm>
+            <a:prstGeom prst="rect">
+              <a:avLst/>
+            </a:prstGeom>
+            <a:solidFill>
+              <a:schemeClr val="accent4">
+                <a:lumMod val="60000"/>
+                <a:lumOff val="40000"/>
+              </a:schemeClr>
+            </a:solidFill>
+            <a:ln w="19050">
+              <a:solidFill>
+                <a:schemeClr val="accent4">
+                  <a:lumMod val="60000"/>
+                  <a:lumOff val="40000"/>
+                </a:schemeClr>
               </a:solidFill>
             </a:ln>
             <a:effectLst/>
@@ -4119,63 +4351,60 @@
         </p:sp>
         <p:cxnSp>
           <p:nvCxnSpPr>
-            <p:cNvPr id="20" name="Straight Connector 19"/>
-            <p:cNvCxnSpPr>
-              <a:cxnSpLocks/>
-            </p:cNvCxnSpPr>
+            <p:cNvPr id="64" name="Straight Arrow Connector 63"/>
+            <p:cNvCxnSpPr/>
             <p:nvPr/>
           </p:nvCxnSpPr>
           <p:spPr>
             <a:xfrm>
-              <a:off x="5762229" y="2577137"/>
-              <a:ext cx="0" cy="2236189"/>
+              <a:off x="3177252" y="3809517"/>
+              <a:ext cx="5043123" cy="0"/>
             </a:xfrm>
-            <a:prstGeom prst="line">
+            <a:prstGeom prst="straightConnector1">
               <a:avLst/>
             </a:prstGeom>
             <a:ln w="19050">
               <a:solidFill>
-                <a:srgbClr val="7030A0"/>
+                <a:srgbClr val="0070C0"/>
               </a:solidFill>
-              <a:prstDash val="sysDash"/>
+              <a:tailEnd type="arrow"/>
             </a:ln>
-            <a:effectLst/>
           </p:spPr>
           <p:style>
             <a:lnRef idx="1">
               <a:schemeClr val="accent1"/>
             </a:lnRef>
-            <a:fillRef idx="2">
+            <a:fillRef idx="0">
               <a:schemeClr val="accent1"/>
             </a:fillRef>
-            <a:effectRef idx="1">
+            <a:effectRef idx="0">
               <a:schemeClr val="accent1"/>
             </a:effectRef>
             <a:fontRef idx="minor">
-              <a:schemeClr val="dk1"/>
+              <a:schemeClr val="tx1"/>
             </a:fontRef>
           </p:style>
         </p:cxnSp>
         <p:sp>
           <p:nvSpPr>
-            <p:cNvPr id="21" name="Rectangle 20"/>
+            <p:cNvPr id="65" name="Rectangle 64"/>
             <p:cNvSpPr/>
             <p:nvPr/>
           </p:nvSpPr>
           <p:spPr>
             <a:xfrm>
-              <a:off x="5690221" y="3143948"/>
-              <a:ext cx="142006" cy="476510"/>
+              <a:off x="8211452" y="3781200"/>
+              <a:ext cx="161322" cy="1019400"/>
             </a:xfrm>
             <a:prstGeom prst="rect">
               <a:avLst/>
             </a:prstGeom>
             <a:solidFill>
-              <a:srgbClr val="7030A0"/>
+              <a:srgbClr val="0070C0"/>
             </a:solidFill>
             <a:ln>
               <a:solidFill>
-                <a:srgbClr val="7030A0"/>
+                <a:srgbClr val="0070C0"/>
               </a:solidFill>
             </a:ln>
             <a:effectLst/>
@@ -4205,427 +4434,23 @@
         </p:sp>
         <p:cxnSp>
           <p:nvCxnSpPr>
-            <p:cNvPr id="23" name="Straight Arrow Connector 22"/>
-            <p:cNvCxnSpPr>
-              <a:cxnSpLocks/>
-            </p:cNvCxnSpPr>
-            <p:nvPr/>
-          </p:nvCxnSpPr>
-          <p:spPr>
-            <a:xfrm flipV="1">
-              <a:off x="1263008" y="2931519"/>
-              <a:ext cx="1095607" cy="1"/>
-            </a:xfrm>
-            <a:prstGeom prst="straightConnector1">
-              <a:avLst/>
-            </a:prstGeom>
-            <a:ln w="19050">
-              <a:solidFill>
-                <a:schemeClr val="tx1"/>
-              </a:solidFill>
-              <a:tailEnd type="arrow"/>
-            </a:ln>
-          </p:spPr>
-          <p:style>
-            <a:lnRef idx="1">
-              <a:schemeClr val="accent1"/>
-            </a:lnRef>
-            <a:fillRef idx="0">
-              <a:schemeClr val="accent1"/>
-            </a:fillRef>
-            <a:effectRef idx="0">
-              <a:schemeClr val="accent1"/>
-            </a:effectRef>
-            <a:fontRef idx="minor">
-              <a:schemeClr val="tx1"/>
-            </a:fontRef>
-          </p:style>
-        </p:cxnSp>
-        <p:sp>
-          <p:nvSpPr>
-            <p:cNvPr id="24" name="TextBox 23"/>
-            <p:cNvSpPr txBox="1"/>
-            <p:nvPr/>
-          </p:nvSpPr>
-          <p:spPr>
-            <a:xfrm>
-              <a:off x="1345305" y="2989204"/>
-              <a:ext cx="860170" cy="215444"/>
-            </a:xfrm>
-            <a:prstGeom prst="rect">
-              <a:avLst/>
-            </a:prstGeom>
-            <a:noFill/>
-          </p:spPr>
-          <p:txBody>
-            <a:bodyPr wrap="square" lIns="0" tIns="0" rIns="0" bIns="0" rtlCol="0">
-              <a:spAutoFit/>
-            </a:bodyPr>
-            <a:lstStyle/>
-            <a:p>
-              <a:pPr algn="ctr"/>
-              <a:r>
-                <a:rPr lang="en-US" sz="1400" dirty="0"/>
-                <a:t>delete 1</a:t>
-              </a:r>
-            </a:p>
-          </p:txBody>
-        </p:sp>
-        <p:cxnSp>
-          <p:nvCxnSpPr>
-            <p:cNvPr id="25" name="Straight Arrow Connector 24"/>
-            <p:cNvCxnSpPr>
-              <a:cxnSpLocks/>
-            </p:cNvCxnSpPr>
+            <p:cNvPr id="71" name="Straight Connector 70"/>
+            <p:cNvCxnSpPr/>
             <p:nvPr/>
           </p:nvCxnSpPr>
           <p:spPr>
             <a:xfrm>
-              <a:off x="2518129" y="3039017"/>
-              <a:ext cx="1516886" cy="1"/>
-            </a:xfrm>
-            <a:prstGeom prst="straightConnector1">
-              <a:avLst/>
-            </a:prstGeom>
-            <a:ln w="19050">
-              <a:solidFill>
-                <a:srgbClr val="00B050"/>
-              </a:solidFill>
-              <a:tailEnd type="arrow"/>
-            </a:ln>
-          </p:spPr>
-          <p:style>
-            <a:lnRef idx="1">
-              <a:schemeClr val="accent1"/>
-            </a:lnRef>
-            <a:fillRef idx="0">
-              <a:schemeClr val="accent1"/>
-            </a:fillRef>
-            <a:effectRef idx="0">
-              <a:schemeClr val="accent1"/>
-            </a:effectRef>
-            <a:fontRef idx="minor">
-              <a:schemeClr val="tx1"/>
-            </a:fontRef>
-          </p:style>
-        </p:cxnSp>
-        <p:sp>
-          <p:nvSpPr>
-            <p:cNvPr id="26" name="TextBox 25"/>
-            <p:cNvSpPr txBox="1"/>
-            <p:nvPr/>
-          </p:nvSpPr>
-          <p:spPr>
-            <a:xfrm>
-              <a:off x="2552219" y="3082866"/>
-              <a:ext cx="1424846" cy="215444"/>
-            </a:xfrm>
-            <a:prstGeom prst="rect">
-              <a:avLst/>
-            </a:prstGeom>
-            <a:noFill/>
-          </p:spPr>
-          <p:txBody>
-            <a:bodyPr wrap="square" lIns="0" tIns="0" rIns="0" bIns="0" rtlCol="0">
-              <a:spAutoFit/>
-            </a:bodyPr>
-            <a:lstStyle/>
-            <a:p>
-              <a:pPr algn="ctr"/>
-              <a:r>
-                <a:rPr lang="en-US" sz="1400" dirty="0">
-                  <a:solidFill>
-                    <a:srgbClr val="0070C0"/>
-                  </a:solidFill>
-                </a:rPr>
-                <a:t>execute(“delete 1”)</a:t>
-              </a:r>
-            </a:p>
-          </p:txBody>
-        </p:sp>
-        <p:cxnSp>
-          <p:nvCxnSpPr>
-            <p:cNvPr id="28" name="Straight Arrow Connector 27"/>
-            <p:cNvCxnSpPr>
-              <a:cxnSpLocks/>
-            </p:cNvCxnSpPr>
-            <p:nvPr/>
-          </p:nvCxnSpPr>
-          <p:spPr>
-            <a:xfrm flipV="1">
-              <a:off x="4179031" y="3143948"/>
-              <a:ext cx="1532384" cy="1"/>
-            </a:xfrm>
-            <a:prstGeom prst="straightConnector1">
-              <a:avLst/>
-            </a:prstGeom>
-            <a:ln w="19050">
-              <a:solidFill>
-                <a:srgbClr val="0070C0"/>
-              </a:solidFill>
-              <a:tailEnd type="arrow"/>
-            </a:ln>
-          </p:spPr>
-          <p:style>
-            <a:lnRef idx="1">
-              <a:schemeClr val="accent1"/>
-            </a:lnRef>
-            <a:fillRef idx="0">
-              <a:schemeClr val="accent1"/>
-            </a:fillRef>
-            <a:effectRef idx="0">
-              <a:schemeClr val="accent1"/>
-            </a:effectRef>
-            <a:fontRef idx="minor">
-              <a:schemeClr val="tx1"/>
-            </a:fontRef>
-          </p:style>
-        </p:cxnSp>
-        <p:sp>
-          <p:nvSpPr>
-            <p:cNvPr id="29" name="TextBox 28"/>
-            <p:cNvSpPr txBox="1"/>
-            <p:nvPr/>
-          </p:nvSpPr>
-          <p:spPr>
-            <a:xfrm>
-              <a:off x="4328318" y="3150453"/>
-              <a:ext cx="1310482" cy="215444"/>
-            </a:xfrm>
-            <a:prstGeom prst="rect">
-              <a:avLst/>
-            </a:prstGeom>
-            <a:noFill/>
-          </p:spPr>
-          <p:txBody>
-            <a:bodyPr wrap="square" lIns="0" tIns="0" rIns="0" bIns="0" rtlCol="0">
-              <a:spAutoFit/>
-            </a:bodyPr>
-            <a:lstStyle/>
-            <a:p>
-              <a:pPr algn="ctr"/>
-              <a:r>
-                <a:rPr lang="en-US" sz="1400" dirty="0" err="1">
-                  <a:solidFill>
-                    <a:srgbClr val="7030A0"/>
-                  </a:solidFill>
-                </a:rPr>
-                <a:t>deleteModule</a:t>
-              </a:r>
-              <a:r>
-                <a:rPr lang="en-US" sz="1400" dirty="0">
-                  <a:solidFill>
-                    <a:srgbClr val="7030A0"/>
-                  </a:solidFill>
-                </a:rPr>
-                <a:t>(m)</a:t>
-              </a:r>
-            </a:p>
-          </p:txBody>
-        </p:sp>
-        <p:cxnSp>
-          <p:nvCxnSpPr>
-            <p:cNvPr id="34" name="Straight Arrow Connector 33"/>
-            <p:cNvCxnSpPr>
-              <a:cxnSpLocks/>
-            </p:cNvCxnSpPr>
-            <p:nvPr/>
-          </p:nvCxnSpPr>
-          <p:spPr>
-            <a:xfrm>
-              <a:off x="4157837" y="3594126"/>
-              <a:ext cx="1532384" cy="0"/>
-            </a:xfrm>
-            <a:prstGeom prst="straightConnector1">
-              <a:avLst/>
-            </a:prstGeom>
-            <a:ln w="19050">
-              <a:solidFill>
-                <a:srgbClr val="7030A0"/>
-              </a:solidFill>
-              <a:prstDash val="sysDash"/>
-              <a:headEnd type="arrow" w="med" len="med"/>
-              <a:tailEnd type="none" w="med" len="med"/>
-            </a:ln>
-          </p:spPr>
-          <p:style>
-            <a:lnRef idx="1">
-              <a:schemeClr val="accent1"/>
-            </a:lnRef>
-            <a:fillRef idx="0">
-              <a:schemeClr val="accent1"/>
-            </a:fillRef>
-            <a:effectRef idx="0">
-              <a:schemeClr val="accent1"/>
-            </a:effectRef>
-            <a:fontRef idx="minor">
-              <a:schemeClr val="tx1"/>
-            </a:fontRef>
-          </p:style>
-        </p:cxnSp>
-        <p:cxnSp>
-          <p:nvCxnSpPr>
-            <p:cNvPr id="35" name="Straight Arrow Connector 34"/>
-            <p:cNvCxnSpPr>
-              <a:cxnSpLocks/>
-            </p:cNvCxnSpPr>
-            <p:nvPr/>
-          </p:nvCxnSpPr>
-          <p:spPr>
-            <a:xfrm>
-              <a:off x="2502653" y="4507812"/>
-              <a:ext cx="1532362" cy="0"/>
-            </a:xfrm>
-            <a:prstGeom prst="straightConnector1">
-              <a:avLst/>
-            </a:prstGeom>
-            <a:ln w="19050">
-              <a:solidFill>
-                <a:srgbClr val="0070C0"/>
-              </a:solidFill>
-              <a:prstDash val="sysDash"/>
-              <a:headEnd type="arrow" w="med" len="med"/>
-              <a:tailEnd type="none" w="med" len="med"/>
-            </a:ln>
-          </p:spPr>
-          <p:style>
-            <a:lnRef idx="1">
-              <a:schemeClr val="accent1"/>
-            </a:lnRef>
-            <a:fillRef idx="0">
-              <a:schemeClr val="accent1"/>
-            </a:fillRef>
-            <a:effectRef idx="0">
-              <a:schemeClr val="accent1"/>
-            </a:effectRef>
-            <a:fontRef idx="minor">
-              <a:schemeClr val="tx1"/>
-            </a:fontRef>
-          </p:style>
-        </p:cxnSp>
-        <p:cxnSp>
-          <p:nvCxnSpPr>
-            <p:cNvPr id="37" name="Straight Arrow Connector 36"/>
-            <p:cNvCxnSpPr>
-              <a:cxnSpLocks/>
-            </p:cNvCxnSpPr>
-            <p:nvPr/>
-          </p:nvCxnSpPr>
-          <p:spPr>
-            <a:xfrm>
-              <a:off x="1263008" y="4657260"/>
-              <a:ext cx="1087245" cy="0"/>
-            </a:xfrm>
-            <a:prstGeom prst="straightConnector1">
-              <a:avLst/>
-            </a:prstGeom>
-            <a:ln w="19050">
-              <a:solidFill>
-                <a:srgbClr val="00B050"/>
-              </a:solidFill>
-              <a:prstDash val="sysDash"/>
-              <a:headEnd type="arrow" w="med" len="med"/>
-              <a:tailEnd type="none" w="med" len="med"/>
-            </a:ln>
-          </p:spPr>
-          <p:style>
-            <a:lnRef idx="1">
-              <a:schemeClr val="accent1"/>
-            </a:lnRef>
-            <a:fillRef idx="0">
-              <a:schemeClr val="accent1"/>
-            </a:fillRef>
-            <a:effectRef idx="0">
-              <a:schemeClr val="accent1"/>
-            </a:effectRef>
-            <a:fontRef idx="minor">
-              <a:schemeClr val="tx1"/>
-            </a:fontRef>
-          </p:style>
-        </p:cxnSp>
-        <p:sp>
-          <p:nvSpPr>
-            <p:cNvPr id="53" name="Rectangle 62"/>
-            <p:cNvSpPr/>
-            <p:nvPr/>
-          </p:nvSpPr>
-          <p:spPr>
-            <a:xfrm>
-              <a:off x="6870618" y="2213466"/>
-              <a:ext cx="1093635" cy="346760"/>
-            </a:xfrm>
-            <a:prstGeom prst="rect">
-              <a:avLst/>
-            </a:prstGeom>
-            <a:solidFill>
-              <a:schemeClr val="accent6">
-                <a:lumMod val="75000"/>
-              </a:schemeClr>
-            </a:solidFill>
-            <a:ln w="19050">
-              <a:solidFill>
-                <a:schemeClr val="accent6">
-                  <a:lumMod val="75000"/>
-                </a:schemeClr>
-              </a:solidFill>
-            </a:ln>
-            <a:effectLst/>
-          </p:spPr>
-          <p:style>
-            <a:lnRef idx="1">
-              <a:schemeClr val="accent2"/>
-            </a:lnRef>
-            <a:fillRef idx="2">
-              <a:schemeClr val="accent2"/>
-            </a:fillRef>
-            <a:effectRef idx="1">
-              <a:schemeClr val="accent2"/>
-            </a:effectRef>
-            <a:fontRef idx="minor">
-              <a:schemeClr val="dk1"/>
-            </a:fontRef>
-          </p:style>
-          <p:txBody>
-            <a:bodyPr rtlCol="0" anchor="ctr"/>
-            <a:lstStyle/>
-            <a:p>
-              <a:pPr algn="ctr"/>
-              <a:r>
-                <a:rPr lang="en-US" sz="1600" dirty="0">
-                  <a:solidFill>
-                    <a:schemeClr val="bg1"/>
-                  </a:solidFill>
-                </a:rPr>
-                <a:t>:Storage</a:t>
-              </a:r>
-              <a:endParaRPr lang="en-SG" sz="1600" dirty="0">
-                <a:solidFill>
-                  <a:schemeClr val="bg1"/>
-                </a:solidFill>
-              </a:endParaRPr>
-            </a:p>
-          </p:txBody>
-        </p:sp>
-        <p:cxnSp>
-          <p:nvCxnSpPr>
-            <p:cNvPr id="54" name="Straight Connector 53"/>
-            <p:cNvCxnSpPr>
-              <a:cxnSpLocks/>
-            </p:cNvCxnSpPr>
-            <p:nvPr/>
-          </p:nvCxnSpPr>
-          <p:spPr>
-            <a:xfrm>
-              <a:off x="7417435" y="2538761"/>
-              <a:ext cx="0" cy="2274565"/>
+              <a:off x="10305148" y="2015058"/>
+              <a:ext cx="0" cy="2830598"/>
             </a:xfrm>
             <a:prstGeom prst="line">
               <a:avLst/>
             </a:prstGeom>
             <a:ln w="19050">
               <a:solidFill>
-                <a:schemeClr val="accent6">
-                  <a:lumMod val="75000"/>
+                <a:schemeClr val="accent4">
+                  <a:lumMod val="60000"/>
+                  <a:lumOff val="40000"/>
                 </a:schemeClr>
               </a:solidFill>
               <a:prstDash val="sysDash"/>
@@ -4649,27 +4474,29 @@
         </p:cxnSp>
         <p:sp>
           <p:nvSpPr>
-            <p:cNvPr id="55" name="Rectangle 54"/>
+            <p:cNvPr id="73" name="Rectangle 72"/>
             <p:cNvSpPr/>
             <p:nvPr/>
           </p:nvSpPr>
           <p:spPr>
             <a:xfrm>
-              <a:off x="7351124" y="3879150"/>
-              <a:ext cx="124478" cy="457919"/>
+              <a:off x="10210800" y="3838798"/>
+              <a:ext cx="152400" cy="199803"/>
             </a:xfrm>
             <a:prstGeom prst="rect">
               <a:avLst/>
             </a:prstGeom>
             <a:solidFill>
-              <a:schemeClr val="accent6">
-                <a:lumMod val="75000"/>
+              <a:schemeClr val="accent4">
+                <a:lumMod val="60000"/>
+                <a:lumOff val="40000"/>
               </a:schemeClr>
             </a:solidFill>
             <a:ln>
               <a:solidFill>
-                <a:schemeClr val="accent6">
-                  <a:lumMod val="75000"/>
+                <a:schemeClr val="accent4">
+                  <a:lumMod val="60000"/>
+                  <a:lumOff val="40000"/>
                 </a:schemeClr>
               </a:solidFill>
             </a:ln>
@@ -4700,383 +4527,14 @@
         </p:sp>
         <p:cxnSp>
           <p:nvCxnSpPr>
-            <p:cNvPr id="63" name="Straight Arrow Connector 62"/>
-            <p:cNvCxnSpPr>
-              <a:cxnSpLocks/>
-              <a:stCxn id="55" idx="2"/>
-            </p:cNvCxnSpPr>
-            <p:nvPr/>
-          </p:nvCxnSpPr>
-          <p:spPr>
-            <a:xfrm flipH="1" flipV="1">
-              <a:off x="4187393" y="4336999"/>
-              <a:ext cx="3225970" cy="70"/>
-            </a:xfrm>
-            <a:prstGeom prst="straightConnector1">
-              <a:avLst/>
-            </a:prstGeom>
-            <a:ln w="19050">
-              <a:solidFill>
-                <a:schemeClr val="accent6">
-                  <a:lumMod val="75000"/>
-                </a:schemeClr>
-              </a:solidFill>
-              <a:prstDash val="sysDash"/>
-              <a:headEnd type="none" w="med" len="med"/>
-              <a:tailEnd type="arrow" w="med" len="med"/>
-            </a:ln>
-          </p:spPr>
-          <p:style>
-            <a:lnRef idx="1">
-              <a:schemeClr val="accent1"/>
-            </a:lnRef>
-            <a:fillRef idx="0">
-              <a:schemeClr val="accent1"/>
-            </a:fillRef>
-            <a:effectRef idx="0">
-              <a:schemeClr val="accent1"/>
-            </a:effectRef>
-            <a:fontRef idx="minor">
-              <a:schemeClr val="tx1"/>
-            </a:fontRef>
-          </p:style>
-        </p:cxnSp>
-        <p:sp>
-          <p:nvSpPr>
-            <p:cNvPr id="74" name="TextBox 73"/>
-            <p:cNvSpPr txBox="1"/>
-            <p:nvPr/>
-          </p:nvSpPr>
-          <p:spPr>
-            <a:xfrm>
-              <a:off x="4484157" y="3921005"/>
-              <a:ext cx="2466828" cy="215444"/>
-            </a:xfrm>
-            <a:prstGeom prst="rect">
-              <a:avLst/>
-            </a:prstGeom>
-            <a:noFill/>
-          </p:spPr>
-          <p:txBody>
-            <a:bodyPr wrap="square" lIns="0" tIns="0" rIns="0" bIns="0" rtlCol="0">
-              <a:spAutoFit/>
-            </a:bodyPr>
-            <a:lstStyle/>
-            <a:p>
-              <a:pPr algn="ctr"/>
-              <a:r>
-                <a:rPr lang="en-US" sz="1400" dirty="0" err="1">
-                  <a:solidFill>
-                    <a:schemeClr val="accent6">
-                      <a:lumMod val="75000"/>
-                    </a:schemeClr>
-                  </a:solidFill>
-                </a:rPr>
-                <a:t>saveAddressBook</a:t>
-              </a:r>
-              <a:r>
-                <a:rPr lang="en-US" sz="1400" dirty="0">
-                  <a:solidFill>
-                    <a:schemeClr val="accent6">
-                      <a:lumMod val="75000"/>
-                    </a:schemeClr>
-                  </a:solidFill>
-                </a:rPr>
-                <a:t>(</a:t>
-              </a:r>
-              <a:r>
-                <a:rPr lang="en-US" sz="1400" dirty="0" err="1">
-                  <a:solidFill>
-                    <a:schemeClr val="accent6">
-                      <a:lumMod val="75000"/>
-                    </a:schemeClr>
-                  </a:solidFill>
-                </a:rPr>
-                <a:t>AddressBook</a:t>
-              </a:r>
-              <a:r>
-                <a:rPr lang="en-US" sz="1400" dirty="0">
-                  <a:solidFill>
-                    <a:schemeClr val="accent6">
-                      <a:lumMod val="75000"/>
-                    </a:schemeClr>
-                  </a:solidFill>
-                </a:rPr>
-                <a:t>)</a:t>
-              </a:r>
-            </a:p>
-          </p:txBody>
-        </p:sp>
-        <p:cxnSp>
-          <p:nvCxnSpPr>
-            <p:cNvPr id="85" name="Straight Connector 84"/>
-            <p:cNvCxnSpPr>
-              <a:cxnSpLocks/>
-            </p:cNvCxnSpPr>
+            <p:cNvPr id="75" name="Straight Arrow Connector 74"/>
+            <p:cNvCxnSpPr/>
             <p:nvPr/>
           </p:nvCxnSpPr>
           <p:spPr>
             <a:xfrm>
-              <a:off x="1072833" y="2712598"/>
-              <a:ext cx="0" cy="2100728"/>
-            </a:xfrm>
-            <a:prstGeom prst="line">
-              <a:avLst/>
-            </a:prstGeom>
-            <a:ln w="19050">
-              <a:solidFill>
-                <a:schemeClr val="tx1"/>
-              </a:solidFill>
-              <a:prstDash val="sysDash"/>
-            </a:ln>
-            <a:effectLst/>
-          </p:spPr>
-          <p:style>
-            <a:lnRef idx="1">
-              <a:schemeClr val="accent1"/>
-            </a:lnRef>
-            <a:fillRef idx="2">
-              <a:schemeClr val="accent1"/>
-            </a:fillRef>
-            <a:effectRef idx="1">
-              <a:schemeClr val="accent1"/>
-            </a:effectRef>
-            <a:fontRef idx="minor">
-              <a:schemeClr val="dk1"/>
-            </a:fontRef>
-          </p:style>
-        </p:cxnSp>
-        <p:grpSp>
-          <p:nvGrpSpPr>
-            <p:cNvPr id="58" name="Group 57"/>
-            <p:cNvGrpSpPr/>
-            <p:nvPr/>
-          </p:nvGrpSpPr>
-          <p:grpSpPr>
-            <a:xfrm flipH="1">
-              <a:off x="7442978" y="3879149"/>
-              <a:ext cx="217349" cy="430885"/>
-              <a:chOff x="1028134" y="5612032"/>
-              <a:chExt cx="217349" cy="270072"/>
-            </a:xfrm>
-          </p:grpSpPr>
-          <p:sp>
-            <p:nvSpPr>
-              <p:cNvPr id="59" name="Freeform 58"/>
-              <p:cNvSpPr/>
-              <p:nvPr/>
-            </p:nvSpPr>
-            <p:spPr>
-              <a:xfrm rot="2600998" flipH="1" flipV="1">
-                <a:off x="1028134" y="5612032"/>
-                <a:ext cx="167452" cy="116880"/>
-              </a:xfrm>
-              <a:custGeom>
-                <a:avLst/>
-                <a:gdLst>
-                  <a:gd name="connsiteX0" fmla="*/ 0 w 226400"/>
-                  <a:gd name="connsiteY0" fmla="*/ 32920 h 171466"/>
-                  <a:gd name="connsiteX1" fmla="*/ 157018 w 226400"/>
-                  <a:gd name="connsiteY1" fmla="*/ 5211 h 171466"/>
-                  <a:gd name="connsiteX2" fmla="*/ 221673 w 226400"/>
-                  <a:gd name="connsiteY2" fmla="*/ 125284 h 171466"/>
-                  <a:gd name="connsiteX3" fmla="*/ 36945 w 226400"/>
-                  <a:gd name="connsiteY3" fmla="*/ 171466 h 171466"/>
-                </a:gdLst>
-                <a:ahLst/>
-                <a:cxnLst>
-                  <a:cxn ang="0">
-                    <a:pos x="connsiteX0" y="connsiteY0"/>
-                  </a:cxn>
-                  <a:cxn ang="0">
-                    <a:pos x="connsiteX1" y="connsiteY1"/>
-                  </a:cxn>
-                  <a:cxn ang="0">
-                    <a:pos x="connsiteX2" y="connsiteY2"/>
-                  </a:cxn>
-                  <a:cxn ang="0">
-                    <a:pos x="connsiteX3" y="connsiteY3"/>
-                  </a:cxn>
-                </a:cxnLst>
-                <a:rect l="l" t="t" r="r" b="b"/>
-                <a:pathLst>
-                  <a:path w="226400" h="171466">
-                    <a:moveTo>
-                      <a:pt x="0" y="32920"/>
-                    </a:moveTo>
-                    <a:cubicBezTo>
-                      <a:pt x="60036" y="11368"/>
-                      <a:pt x="120073" y="-10183"/>
-                      <a:pt x="157018" y="5211"/>
-                    </a:cubicBezTo>
-                    <a:cubicBezTo>
-                      <a:pt x="193963" y="20605"/>
-                      <a:pt x="241685" y="97575"/>
-                      <a:pt x="221673" y="125284"/>
-                    </a:cubicBezTo>
-                    <a:cubicBezTo>
-                      <a:pt x="201661" y="152993"/>
-                      <a:pt x="119303" y="162229"/>
-                      <a:pt x="36945" y="171466"/>
-                    </a:cubicBezTo>
-                  </a:path>
-                </a:pathLst>
-              </a:custGeom>
-              <a:ln w="19050">
-                <a:solidFill>
-                  <a:schemeClr val="accent6">
-                    <a:lumMod val="75000"/>
-                  </a:schemeClr>
-                </a:solidFill>
-                <a:headEnd type="arrow" w="med" len="med"/>
-                <a:tailEnd type="none" w="med" len="med"/>
-              </a:ln>
-            </p:spPr>
-            <p:style>
-              <a:lnRef idx="1">
-                <a:schemeClr val="accent1"/>
-              </a:lnRef>
-              <a:fillRef idx="0">
-                <a:schemeClr val="accent1"/>
-              </a:fillRef>
-              <a:effectRef idx="0">
-                <a:schemeClr val="accent1"/>
-              </a:effectRef>
-              <a:fontRef idx="minor">
-                <a:schemeClr val="tx1"/>
-              </a:fontRef>
-            </p:style>
-            <p:txBody>
-              <a:bodyPr rtlCol="0" anchor="ctr"/>
-              <a:lstStyle/>
-              <a:p>
-                <a:pPr algn="ctr"/>
-                <a:endParaRPr lang="en-SG"/>
-              </a:p>
-            </p:txBody>
-          </p:sp>
-          <p:sp>
-            <p:nvSpPr>
-              <p:cNvPr id="60" name="Rectangle 59"/>
-              <p:cNvSpPr/>
-              <p:nvPr/>
-            </p:nvSpPr>
-            <p:spPr>
-              <a:xfrm>
-                <a:off x="1147403" y="5712513"/>
-                <a:ext cx="98080" cy="169591"/>
-              </a:xfrm>
-              <a:prstGeom prst="rect">
-                <a:avLst/>
-              </a:prstGeom>
-              <a:solidFill>
-                <a:schemeClr val="accent6">
-                  <a:lumMod val="75000"/>
-                </a:schemeClr>
-              </a:solidFill>
-              <a:ln>
-                <a:solidFill>
-                  <a:schemeClr val="bg1"/>
-                </a:solidFill>
-              </a:ln>
-              <a:effectLst/>
-            </p:spPr>
-            <p:style>
-              <a:lnRef idx="1">
-                <a:schemeClr val="accent3"/>
-              </a:lnRef>
-              <a:fillRef idx="2">
-                <a:schemeClr val="accent3"/>
-              </a:fillRef>
-              <a:effectRef idx="1">
-                <a:schemeClr val="accent3"/>
-              </a:effectRef>
-              <a:fontRef idx="minor">
-                <a:schemeClr val="dk1"/>
-              </a:fontRef>
-            </p:style>
-            <p:txBody>
-              <a:bodyPr rtlCol="0" anchor="ctr"/>
-              <a:lstStyle/>
-              <a:p>
-                <a:pPr algn="ctr"/>
-                <a:endParaRPr lang="en-SG" sz="1400"/>
-              </a:p>
-            </p:txBody>
-          </p:sp>
-        </p:grpSp>
-        <p:sp>
-          <p:nvSpPr>
-            <p:cNvPr id="61" name="TextBox 60"/>
-            <p:cNvSpPr txBox="1"/>
-            <p:nvPr/>
-          </p:nvSpPr>
-          <p:spPr>
-            <a:xfrm>
-              <a:off x="7730090" y="3724480"/>
-              <a:ext cx="539047" cy="430887"/>
-            </a:xfrm>
-            <a:prstGeom prst="rect">
-              <a:avLst/>
-            </a:prstGeom>
-            <a:noFill/>
-          </p:spPr>
-          <p:txBody>
-            <a:bodyPr wrap="square" lIns="0" tIns="0" rIns="0" bIns="0" rtlCol="0">
-              <a:spAutoFit/>
-            </a:bodyPr>
-            <a:lstStyle/>
-            <a:p>
-              <a:r>
-                <a:rPr lang="en-US" sz="1400" dirty="0">
-                  <a:solidFill>
-                    <a:schemeClr val="accent6">
-                      <a:lumMod val="75000"/>
-                    </a:schemeClr>
-                  </a:solidFill>
-                </a:rPr>
-                <a:t>Save </a:t>
-              </a:r>
-              <a:br>
-                <a:rPr lang="en-US" sz="1400" dirty="0">
-                  <a:solidFill>
-                    <a:schemeClr val="accent6">
-                      <a:lumMod val="75000"/>
-                    </a:schemeClr>
-                  </a:solidFill>
-                </a:rPr>
-              </a:br>
-              <a:r>
-                <a:rPr lang="en-US" sz="1400" dirty="0">
-                  <a:solidFill>
-                    <a:schemeClr val="accent6">
-                      <a:lumMod val="75000"/>
-                    </a:schemeClr>
-                  </a:solidFill>
-                </a:rPr>
-                <a:t>to file</a:t>
-              </a:r>
-            </a:p>
-          </p:txBody>
-        </p:sp>
-        <p:cxnSp>
-          <p:nvCxnSpPr>
-            <p:cNvPr id="78" name="Straight Arrow Connector 77">
-              <a:extLst>
-                <a:ext uri="{FF2B5EF4-FFF2-40B4-BE49-F238E27FC236}">
-                  <a16:creationId xmlns:a16="http://schemas.microsoft.com/office/drawing/2014/main" id="{4AB8DFA2-C3DE-4CDF-82C8-BDE3320A5C3E}"/>
-                </a:ext>
-              </a:extLst>
-            </p:cNvPr>
-            <p:cNvCxnSpPr>
-              <a:cxnSpLocks/>
-            </p:cNvCxnSpPr>
-            <p:nvPr/>
-          </p:nvCxnSpPr>
-          <p:spPr>
-            <a:xfrm flipV="1">
-              <a:off x="4203433" y="3883131"/>
-              <a:ext cx="3144005" cy="1"/>
+              <a:off x="8374664" y="3838797"/>
+              <a:ext cx="1836137" cy="0"/>
             </a:xfrm>
             <a:prstGeom prst="straightConnector1">
               <a:avLst/>
@@ -5103,11 +4561,923 @@
             </a:fontRef>
           </p:style>
         </p:cxnSp>
+        <p:cxnSp>
+          <p:nvCxnSpPr>
+            <p:cNvPr id="76" name="Straight Arrow Connector 75"/>
+            <p:cNvCxnSpPr/>
+            <p:nvPr/>
+          </p:nvCxnSpPr>
+          <p:spPr>
+            <a:xfrm flipV="1">
+              <a:off x="8372774" y="4028850"/>
+              <a:ext cx="1838026" cy="9750"/>
+            </a:xfrm>
+            <a:prstGeom prst="straightConnector1">
+              <a:avLst/>
+            </a:prstGeom>
+            <a:ln w="19050">
+              <a:solidFill>
+                <a:schemeClr val="accent4">
+                  <a:lumMod val="60000"/>
+                  <a:lumOff val="40000"/>
+                </a:schemeClr>
+              </a:solidFill>
+              <a:prstDash val="sysDash"/>
+              <a:headEnd type="arrow" w="med" len="med"/>
+              <a:tailEnd type="none" w="med" len="med"/>
+            </a:ln>
+          </p:spPr>
+          <p:style>
+            <a:lnRef idx="1">
+              <a:schemeClr val="accent1"/>
+            </a:lnRef>
+            <a:fillRef idx="0">
+              <a:schemeClr val="accent1"/>
+            </a:fillRef>
+            <a:effectRef idx="0">
+              <a:schemeClr val="accent1"/>
+            </a:effectRef>
+            <a:fontRef idx="minor">
+              <a:schemeClr val="tx1"/>
+            </a:fontRef>
+          </p:style>
+        </p:cxnSp>
+        <p:cxnSp>
+          <p:nvCxnSpPr>
+            <p:cNvPr id="77" name="Straight Arrow Connector 76"/>
+            <p:cNvCxnSpPr/>
+            <p:nvPr/>
+          </p:nvCxnSpPr>
+          <p:spPr>
+            <a:xfrm>
+              <a:off x="3177252" y="4800600"/>
+              <a:ext cx="5052349" cy="0"/>
+            </a:xfrm>
+            <a:prstGeom prst="straightConnector1">
+              <a:avLst/>
+            </a:prstGeom>
+            <a:ln w="19050">
+              <a:solidFill>
+                <a:srgbClr val="0070C0"/>
+              </a:solidFill>
+              <a:prstDash val="sysDash"/>
+              <a:headEnd type="arrow" w="med" len="med"/>
+              <a:tailEnd type="none" w="med" len="med"/>
+            </a:ln>
+          </p:spPr>
+          <p:style>
+            <a:lnRef idx="1">
+              <a:schemeClr val="accent1"/>
+            </a:lnRef>
+            <a:fillRef idx="0">
+              <a:schemeClr val="accent1"/>
+            </a:fillRef>
+            <a:effectRef idx="0">
+              <a:schemeClr val="accent1"/>
+            </a:effectRef>
+            <a:fontRef idx="minor">
+              <a:schemeClr val="tx1"/>
+            </a:fontRef>
+          </p:style>
+        </p:cxnSp>
+        <p:sp>
+          <p:nvSpPr>
+            <p:cNvPr id="78" name="TextBox 77"/>
+            <p:cNvSpPr txBox="1"/>
+            <p:nvPr/>
+          </p:nvSpPr>
+          <p:spPr>
+            <a:xfrm>
+              <a:off x="8508957" y="3581400"/>
+              <a:ext cx="1424846" cy="215444"/>
+            </a:xfrm>
+            <a:prstGeom prst="rect">
+              <a:avLst/>
+            </a:prstGeom>
+            <a:noFill/>
+          </p:spPr>
+          <p:txBody>
+            <a:bodyPr wrap="square" lIns="0" tIns="0" rIns="0" bIns="0" rtlCol="0">
+              <a:spAutoFit/>
+            </a:bodyPr>
+            <a:lstStyle>
+              <a:defPPr>
+                <a:defRPr lang="en-US"/>
+              </a:defPPr>
+              <a:lvl1pPr algn="r">
+                <a:defRPr sz="1400">
+                  <a:solidFill>
+                    <a:srgbClr val="0070C0"/>
+                  </a:solidFill>
+                </a:defRPr>
+              </a:lvl1pPr>
+            </a:lstStyle>
+            <a:p>
+              <a:r>
+                <a:rPr lang="en-US" dirty="0" err="1">
+                  <a:solidFill>
+                    <a:srgbClr val="7030A0"/>
+                  </a:solidFill>
+                </a:rPr>
+                <a:t>deleteModule</a:t>
+              </a:r>
+              <a:r>
+                <a:rPr lang="en-US" dirty="0">
+                  <a:solidFill>
+                    <a:srgbClr val="7030A0"/>
+                  </a:solidFill>
+                </a:rPr>
+                <a:t>(m)</a:t>
+              </a:r>
+            </a:p>
+          </p:txBody>
+        </p:sp>
+        <p:sp>
+          <p:nvSpPr>
+            <p:cNvPr id="79" name="TextBox 78"/>
+            <p:cNvSpPr txBox="1"/>
+            <p:nvPr/>
+          </p:nvSpPr>
+          <p:spPr>
+            <a:xfrm>
+              <a:off x="5371552" y="2971800"/>
+              <a:ext cx="767033" cy="184666"/>
+            </a:xfrm>
+            <a:prstGeom prst="rect">
+              <a:avLst/>
+            </a:prstGeom>
+            <a:noFill/>
+          </p:spPr>
+          <p:txBody>
+            <a:bodyPr wrap="square" lIns="0" tIns="0" rIns="0" bIns="0" rtlCol="0">
+              <a:spAutoFit/>
+            </a:bodyPr>
+            <a:lstStyle>
+              <a:defPPr>
+                <a:defRPr lang="en-US"/>
+              </a:defPPr>
+              <a:lvl1pPr algn="r">
+                <a:defRPr sz="1400">
+                  <a:solidFill>
+                    <a:srgbClr val="0070C0"/>
+                  </a:solidFill>
+                </a:defRPr>
+              </a:lvl1pPr>
+            </a:lstStyle>
+            <a:p>
+              <a:r>
+                <a:rPr lang="en-US" sz="1200" dirty="0"/>
+                <a:t>parse(“1”)</a:t>
+              </a:r>
+            </a:p>
+          </p:txBody>
+        </p:sp>
+        <p:sp>
+          <p:nvSpPr>
+            <p:cNvPr id="80" name="TextBox 79"/>
+            <p:cNvSpPr txBox="1"/>
+            <p:nvPr/>
+          </p:nvSpPr>
+          <p:spPr>
+            <a:xfrm>
+              <a:off x="3266982" y="2165122"/>
+              <a:ext cx="1424846" cy="215444"/>
+            </a:xfrm>
+            <a:prstGeom prst="rect">
+              <a:avLst/>
+            </a:prstGeom>
+            <a:noFill/>
+          </p:spPr>
+          <p:txBody>
+            <a:bodyPr wrap="square" lIns="0" tIns="0" rIns="0" bIns="0" rtlCol="0">
+              <a:spAutoFit/>
+            </a:bodyPr>
+            <a:lstStyle>
+              <a:defPPr>
+                <a:defRPr lang="en-US"/>
+              </a:defPPr>
+              <a:lvl1pPr algn="r">
+                <a:defRPr sz="1400">
+                  <a:solidFill>
+                    <a:srgbClr val="0070C0"/>
+                  </a:solidFill>
+                </a:defRPr>
+              </a:lvl1pPr>
+            </a:lstStyle>
+            <a:p>
+              <a:r>
+                <a:rPr lang="en-US" dirty="0"/>
+                <a:t>parse(“delete 1”)</a:t>
+              </a:r>
+            </a:p>
+          </p:txBody>
+        </p:sp>
+        <p:sp>
+          <p:nvSpPr>
+            <p:cNvPr id="82" name="TextBox 81"/>
+            <p:cNvSpPr txBox="1"/>
+            <p:nvPr/>
+          </p:nvSpPr>
+          <p:spPr>
+            <a:xfrm>
+              <a:off x="5864137" y="4569523"/>
+              <a:ext cx="621216" cy="215444"/>
+            </a:xfrm>
+            <a:prstGeom prst="rect">
+              <a:avLst/>
+            </a:prstGeom>
+            <a:noFill/>
+          </p:spPr>
+          <p:txBody>
+            <a:bodyPr wrap="square" lIns="0" tIns="0" rIns="0" bIns="0" rtlCol="0">
+              <a:spAutoFit/>
+            </a:bodyPr>
+            <a:lstStyle>
+              <a:defPPr>
+                <a:defRPr lang="en-US"/>
+              </a:defPPr>
+              <a:lvl1pPr algn="r">
+                <a:defRPr sz="1400">
+                  <a:solidFill>
+                    <a:srgbClr val="0070C0"/>
+                  </a:solidFill>
+                </a:defRPr>
+              </a:lvl1pPr>
+            </a:lstStyle>
+            <a:p>
+              <a:r>
+                <a:rPr lang="en-US" dirty="0"/>
+                <a:t>result</a:t>
+              </a:r>
+            </a:p>
+          </p:txBody>
+        </p:sp>
+        <p:sp>
+          <p:nvSpPr>
+            <p:cNvPr id="83" name="TextBox 82"/>
+            <p:cNvSpPr txBox="1"/>
+            <p:nvPr/>
+          </p:nvSpPr>
+          <p:spPr>
+            <a:xfrm>
+              <a:off x="2123983" y="4852688"/>
+              <a:ext cx="762000" cy="215444"/>
+            </a:xfrm>
+            <a:prstGeom prst="rect">
+              <a:avLst/>
+            </a:prstGeom>
+            <a:noFill/>
+          </p:spPr>
+          <p:txBody>
+            <a:bodyPr wrap="square" lIns="0" tIns="0" rIns="0" bIns="0" rtlCol="0">
+              <a:spAutoFit/>
+            </a:bodyPr>
+            <a:lstStyle>
+              <a:defPPr>
+                <a:defRPr lang="en-US"/>
+              </a:defPPr>
+              <a:lvl1pPr algn="r">
+                <a:defRPr sz="1400">
+                  <a:solidFill>
+                    <a:srgbClr val="0070C0"/>
+                  </a:solidFill>
+                </a:defRPr>
+              </a:lvl1pPr>
+            </a:lstStyle>
+            <a:p>
+              <a:r>
+                <a:rPr lang="en-US" dirty="0"/>
+                <a:t>result</a:t>
+              </a:r>
+            </a:p>
+          </p:txBody>
+        </p:sp>
+        <p:sp>
+          <p:nvSpPr>
+            <p:cNvPr id="84" name="Rectangle 62"/>
+            <p:cNvSpPr/>
+            <p:nvPr/>
+          </p:nvSpPr>
+          <p:spPr>
+            <a:xfrm>
+              <a:off x="8544246" y="4091486"/>
+              <a:ext cx="1590354" cy="461538"/>
+            </a:xfrm>
+            <a:prstGeom prst="rect">
+              <a:avLst/>
+            </a:prstGeom>
+            <a:solidFill>
+              <a:srgbClr val="0070C0"/>
+            </a:solidFill>
+            <a:ln w="19050">
+              <a:solidFill>
+                <a:srgbClr val="0070C0"/>
+              </a:solidFill>
+            </a:ln>
+            <a:effectLst/>
+          </p:spPr>
+          <p:style>
+            <a:lnRef idx="1">
+              <a:schemeClr val="accent2"/>
+            </a:lnRef>
+            <a:fillRef idx="2">
+              <a:schemeClr val="accent2"/>
+            </a:fillRef>
+            <a:effectRef idx="1">
+              <a:schemeClr val="accent2"/>
+            </a:effectRef>
+            <a:fontRef idx="minor">
+              <a:schemeClr val="dk1"/>
+            </a:fontRef>
+          </p:style>
+          <p:txBody>
+            <a:bodyPr rtlCol="0" anchor="ctr"/>
+            <a:lstStyle/>
+            <a:p>
+              <a:pPr algn="ctr"/>
+              <a:r>
+                <a:rPr lang="en-US" sz="1600" dirty="0" err="1">
+                  <a:solidFill>
+                    <a:schemeClr val="bg1"/>
+                  </a:solidFill>
+                </a:rPr>
+                <a:t>result:Command</a:t>
+              </a:r>
+              <a:r>
+                <a:rPr lang="en-US" sz="1600" dirty="0">
+                  <a:solidFill>
+                    <a:schemeClr val="bg1"/>
+                  </a:solidFill>
+                </a:rPr>
+                <a:t> Result</a:t>
+              </a:r>
+              <a:endParaRPr lang="en-SG" sz="1600" dirty="0">
+                <a:solidFill>
+                  <a:schemeClr val="bg1"/>
+                </a:solidFill>
+              </a:endParaRPr>
+            </a:p>
+          </p:txBody>
+        </p:sp>
+        <p:sp>
+          <p:nvSpPr>
+            <p:cNvPr id="86" name="Rectangle 85"/>
+            <p:cNvSpPr/>
+            <p:nvPr/>
+          </p:nvSpPr>
+          <p:spPr>
+            <a:xfrm>
+              <a:off x="9301323" y="4553024"/>
+              <a:ext cx="152400" cy="171376"/>
+            </a:xfrm>
+            <a:prstGeom prst="rect">
+              <a:avLst/>
+            </a:prstGeom>
+            <a:solidFill>
+              <a:srgbClr val="0070C0"/>
+            </a:solidFill>
+            <a:ln>
+              <a:solidFill>
+                <a:srgbClr val="0070C0"/>
+              </a:solidFill>
+            </a:ln>
+            <a:effectLst/>
+          </p:spPr>
+          <p:style>
+            <a:lnRef idx="1">
+              <a:schemeClr val="accent3"/>
+            </a:lnRef>
+            <a:fillRef idx="2">
+              <a:schemeClr val="accent3"/>
+            </a:fillRef>
+            <a:effectRef idx="1">
+              <a:schemeClr val="accent3"/>
+            </a:effectRef>
+            <a:fontRef idx="minor">
+              <a:schemeClr val="dk1"/>
+            </a:fontRef>
+          </p:style>
+          <p:txBody>
+            <a:bodyPr rtlCol="0" anchor="ctr"/>
+            <a:lstStyle/>
+            <a:p>
+              <a:pPr algn="ctr"/>
+              <a:endParaRPr lang="en-SG" sz="1400"/>
+            </a:p>
+          </p:txBody>
+        </p:sp>
+        <p:cxnSp>
+          <p:nvCxnSpPr>
+            <p:cNvPr id="90" name="Straight Arrow Connector 89"/>
+            <p:cNvCxnSpPr/>
+            <p:nvPr/>
+          </p:nvCxnSpPr>
+          <p:spPr>
+            <a:xfrm>
+              <a:off x="8382000" y="4724400"/>
+              <a:ext cx="966624" cy="0"/>
+            </a:xfrm>
+            <a:prstGeom prst="straightConnector1">
+              <a:avLst/>
+            </a:prstGeom>
+            <a:ln w="19050">
+              <a:solidFill>
+                <a:srgbClr val="0070C0"/>
+              </a:solidFill>
+              <a:prstDash val="sysDash"/>
+              <a:headEnd type="arrow" w="med" len="med"/>
+              <a:tailEnd type="none" w="med" len="med"/>
+            </a:ln>
+          </p:spPr>
+          <p:style>
+            <a:lnRef idx="1">
+              <a:schemeClr val="accent1"/>
+            </a:lnRef>
+            <a:fillRef idx="0">
+              <a:schemeClr val="accent1"/>
+            </a:fillRef>
+            <a:effectRef idx="0">
+              <a:schemeClr val="accent1"/>
+            </a:effectRef>
+            <a:fontRef idx="minor">
+              <a:schemeClr val="tx1"/>
+            </a:fontRef>
+          </p:style>
+        </p:cxnSp>
+        <p:sp>
+          <p:nvSpPr>
+            <p:cNvPr id="93" name="TextBox 92"/>
+            <p:cNvSpPr txBox="1"/>
+            <p:nvPr/>
+          </p:nvSpPr>
+          <p:spPr>
+            <a:xfrm>
+              <a:off x="4197846" y="3341987"/>
+              <a:ext cx="220343" cy="215444"/>
+            </a:xfrm>
+            <a:prstGeom prst="rect">
+              <a:avLst/>
+            </a:prstGeom>
+            <a:noFill/>
+          </p:spPr>
+          <p:txBody>
+            <a:bodyPr wrap="square" lIns="0" tIns="0" rIns="0" bIns="0" rtlCol="0">
+              <a:spAutoFit/>
+            </a:bodyPr>
+            <a:lstStyle>
+              <a:defPPr>
+                <a:defRPr lang="en-US"/>
+              </a:defPPr>
+              <a:lvl1pPr algn="r">
+                <a:defRPr sz="1400">
+                  <a:solidFill>
+                    <a:srgbClr val="0070C0"/>
+                  </a:solidFill>
+                </a:defRPr>
+              </a:lvl1pPr>
+            </a:lstStyle>
+            <a:p>
+              <a:r>
+                <a:rPr lang="en-US" dirty="0"/>
+                <a:t>d</a:t>
+              </a:r>
+            </a:p>
+          </p:txBody>
+        </p:sp>
+        <p:sp>
+          <p:nvSpPr>
+            <p:cNvPr id="40" name="Rectangle 62"/>
+            <p:cNvSpPr/>
+            <p:nvPr/>
+          </p:nvSpPr>
+          <p:spPr>
+            <a:xfrm>
+              <a:off x="5755982" y="2244040"/>
+              <a:ext cx="1778201" cy="432035"/>
+            </a:xfrm>
+            <a:prstGeom prst="rect">
+              <a:avLst/>
+            </a:prstGeom>
+            <a:solidFill>
+              <a:srgbClr val="0070C0"/>
+            </a:solidFill>
+            <a:ln w="19050">
+              <a:solidFill>
+                <a:srgbClr val="0070C0"/>
+              </a:solidFill>
+            </a:ln>
+            <a:effectLst/>
+          </p:spPr>
+          <p:style>
+            <a:lnRef idx="1">
+              <a:schemeClr val="accent2"/>
+            </a:lnRef>
+            <a:fillRef idx="2">
+              <a:schemeClr val="accent2"/>
+            </a:fillRef>
+            <a:effectRef idx="1">
+              <a:schemeClr val="accent2"/>
+            </a:effectRef>
+            <a:fontRef idx="minor">
+              <a:schemeClr val="dk1"/>
+            </a:fontRef>
+          </p:style>
+          <p:txBody>
+            <a:bodyPr rtlCol="0" anchor="ctr"/>
+            <a:lstStyle/>
+            <a:p>
+              <a:pPr algn="ctr"/>
+              <a:r>
+                <a:rPr lang="en-US" sz="1600" dirty="0">
+                  <a:solidFill>
+                    <a:schemeClr val="bg1"/>
+                  </a:solidFill>
+                </a:rPr>
+                <a:t>:</a:t>
+              </a:r>
+              <a:r>
+                <a:rPr lang="en-US" sz="1600" dirty="0" err="1">
+                  <a:solidFill>
+                    <a:schemeClr val="bg1"/>
+                  </a:solidFill>
+                </a:rPr>
+                <a:t>DeleteCommand</a:t>
+              </a:r>
+              <a:endParaRPr lang="en-US" sz="1600" dirty="0">
+                <a:solidFill>
+                  <a:schemeClr val="bg1"/>
+                </a:solidFill>
+              </a:endParaRPr>
+            </a:p>
+            <a:p>
+              <a:pPr algn="ctr"/>
+              <a:r>
+                <a:rPr lang="en-US" sz="1600" dirty="0">
+                  <a:solidFill>
+                    <a:schemeClr val="bg1"/>
+                  </a:solidFill>
+                </a:rPr>
+                <a:t>Parser</a:t>
+              </a:r>
+              <a:endParaRPr lang="en-SG" sz="1600" dirty="0">
+                <a:solidFill>
+                  <a:schemeClr val="bg1"/>
+                </a:solidFill>
+              </a:endParaRPr>
+            </a:p>
+          </p:txBody>
+        </p:sp>
+        <p:cxnSp>
+          <p:nvCxnSpPr>
+            <p:cNvPr id="8" name="Straight Arrow Connector 7"/>
+            <p:cNvCxnSpPr/>
+            <p:nvPr/>
+          </p:nvCxnSpPr>
+          <p:spPr>
+            <a:xfrm>
+              <a:off x="4986591" y="2971801"/>
+              <a:ext cx="1597356" cy="1"/>
+            </a:xfrm>
+            <a:prstGeom prst="straightConnector1">
+              <a:avLst/>
+            </a:prstGeom>
+            <a:ln w="19050">
+              <a:headEnd type="none" w="med" len="med"/>
+              <a:tailEnd type="arrow" w="med" len="med"/>
+            </a:ln>
+          </p:spPr>
+          <p:style>
+            <a:lnRef idx="1">
+              <a:schemeClr val="accent1"/>
+            </a:lnRef>
+            <a:fillRef idx="0">
+              <a:schemeClr val="accent1"/>
+            </a:fillRef>
+            <a:effectRef idx="0">
+              <a:schemeClr val="accent1"/>
+            </a:effectRef>
+            <a:fontRef idx="minor">
+              <a:schemeClr val="tx1"/>
+            </a:fontRef>
+          </p:style>
+        </p:cxnSp>
+        <p:sp>
+          <p:nvSpPr>
+            <p:cNvPr id="45" name="Rectangle 44"/>
+            <p:cNvSpPr/>
+            <p:nvPr/>
+          </p:nvSpPr>
+          <p:spPr>
+            <a:xfrm>
+              <a:off x="6583948" y="2667001"/>
+              <a:ext cx="205843" cy="123165"/>
+            </a:xfrm>
+            <a:prstGeom prst="rect">
+              <a:avLst/>
+            </a:prstGeom>
+            <a:solidFill>
+              <a:srgbClr val="0070C0"/>
+            </a:solidFill>
+            <a:ln>
+              <a:solidFill>
+                <a:srgbClr val="0070C0"/>
+              </a:solidFill>
+            </a:ln>
+            <a:effectLst/>
+          </p:spPr>
+          <p:style>
+            <a:lnRef idx="1">
+              <a:schemeClr val="accent3"/>
+            </a:lnRef>
+            <a:fillRef idx="2">
+              <a:schemeClr val="accent3"/>
+            </a:fillRef>
+            <a:effectRef idx="1">
+              <a:schemeClr val="accent3"/>
+            </a:effectRef>
+            <a:fontRef idx="minor">
+              <a:schemeClr val="dk1"/>
+            </a:fontRef>
+          </p:style>
+          <p:txBody>
+            <a:bodyPr rtlCol="0" anchor="ctr"/>
+            <a:lstStyle/>
+            <a:p>
+              <a:pPr algn="ctr"/>
+              <a:endParaRPr lang="en-SG" sz="1400"/>
+            </a:p>
+          </p:txBody>
+        </p:sp>
+        <p:cxnSp>
+          <p:nvCxnSpPr>
+            <p:cNvPr id="46" name="Straight Connector 45"/>
+            <p:cNvCxnSpPr>
+              <a:stCxn id="45" idx="0"/>
+            </p:cNvCxnSpPr>
+            <p:nvPr/>
+          </p:nvCxnSpPr>
+          <p:spPr>
+            <a:xfrm>
+              <a:off x="6686869" y="2667000"/>
+              <a:ext cx="0" cy="990600"/>
+            </a:xfrm>
+            <a:prstGeom prst="line">
+              <a:avLst/>
+            </a:prstGeom>
+            <a:ln w="19050">
+              <a:solidFill>
+                <a:srgbClr val="0070C0"/>
+              </a:solidFill>
+              <a:prstDash val="sysDash"/>
+            </a:ln>
+            <a:effectLst/>
+          </p:spPr>
+          <p:style>
+            <a:lnRef idx="1">
+              <a:schemeClr val="accent1"/>
+            </a:lnRef>
+            <a:fillRef idx="2">
+              <a:schemeClr val="accent1"/>
+            </a:fillRef>
+            <a:effectRef idx="1">
+              <a:schemeClr val="accent1"/>
+            </a:effectRef>
+            <a:fontRef idx="minor">
+              <a:schemeClr val="dk1"/>
+            </a:fontRef>
+          </p:style>
+        </p:cxnSp>
+        <p:sp>
+          <p:nvSpPr>
+            <p:cNvPr id="49" name="Rectangle 48"/>
+            <p:cNvSpPr/>
+            <p:nvPr/>
+          </p:nvSpPr>
+          <p:spPr>
+            <a:xfrm>
+              <a:off x="6583948" y="2971801"/>
+              <a:ext cx="205843" cy="533400"/>
+            </a:xfrm>
+            <a:prstGeom prst="rect">
+              <a:avLst/>
+            </a:prstGeom>
+            <a:solidFill>
+              <a:srgbClr val="0070C0"/>
+            </a:solidFill>
+            <a:ln>
+              <a:solidFill>
+                <a:srgbClr val="0070C0"/>
+              </a:solidFill>
+            </a:ln>
+            <a:effectLst/>
+          </p:spPr>
+          <p:style>
+            <a:lnRef idx="1">
+              <a:schemeClr val="accent3"/>
+            </a:lnRef>
+            <a:fillRef idx="2">
+              <a:schemeClr val="accent3"/>
+            </a:fillRef>
+            <a:effectRef idx="1">
+              <a:schemeClr val="accent3"/>
+            </a:effectRef>
+            <a:fontRef idx="minor">
+              <a:schemeClr val="dk1"/>
+            </a:fontRef>
+          </p:style>
+          <p:txBody>
+            <a:bodyPr rtlCol="0" anchor="ctr"/>
+            <a:lstStyle/>
+            <a:p>
+              <a:pPr algn="ctr"/>
+              <a:endParaRPr lang="en-SG" sz="1400"/>
+            </a:p>
+          </p:txBody>
+        </p:sp>
+        <p:cxnSp>
+          <p:nvCxnSpPr>
+            <p:cNvPr id="51" name="Straight Arrow Connector 50"/>
+            <p:cNvCxnSpPr/>
+            <p:nvPr/>
+          </p:nvCxnSpPr>
+          <p:spPr>
+            <a:xfrm>
+              <a:off x="5023383" y="3499273"/>
+              <a:ext cx="1667219" cy="0"/>
+            </a:xfrm>
+            <a:prstGeom prst="straightConnector1">
+              <a:avLst/>
+            </a:prstGeom>
+            <a:ln w="19050">
+              <a:solidFill>
+                <a:srgbClr val="0070C0"/>
+              </a:solidFill>
+              <a:prstDash val="sysDash"/>
+              <a:headEnd type="arrow" w="med" len="med"/>
+              <a:tailEnd type="none" w="med" len="med"/>
+            </a:ln>
+          </p:spPr>
+          <p:style>
+            <a:lnRef idx="1">
+              <a:schemeClr val="accent1"/>
+            </a:lnRef>
+            <a:fillRef idx="0">
+              <a:schemeClr val="accent1"/>
+            </a:fillRef>
+            <a:effectRef idx="0">
+              <a:schemeClr val="accent1"/>
+            </a:effectRef>
+            <a:fontRef idx="minor">
+              <a:schemeClr val="tx1"/>
+            </a:fontRef>
+          </p:style>
+        </p:cxnSp>
+        <p:cxnSp>
+          <p:nvCxnSpPr>
+            <p:cNvPr id="13" name="Straight Arrow Connector 12"/>
+            <p:cNvCxnSpPr/>
+            <p:nvPr/>
+          </p:nvCxnSpPr>
+          <p:spPr>
+            <a:xfrm>
+              <a:off x="8382000" y="4343400"/>
+              <a:ext cx="162246" cy="0"/>
+            </a:xfrm>
+            <a:prstGeom prst="straightConnector1">
+              <a:avLst/>
+            </a:prstGeom>
+            <a:ln w="19050">
+              <a:headEnd type="none" w="med" len="med"/>
+              <a:tailEnd type="arrow" w="med" len="med"/>
+            </a:ln>
+          </p:spPr>
+          <p:style>
+            <a:lnRef idx="1">
+              <a:schemeClr val="accent1"/>
+            </a:lnRef>
+            <a:fillRef idx="0">
+              <a:schemeClr val="accent1"/>
+            </a:fillRef>
+            <a:effectRef idx="0">
+              <a:schemeClr val="accent1"/>
+            </a:effectRef>
+            <a:fontRef idx="minor">
+              <a:schemeClr val="tx1"/>
+            </a:fontRef>
+          </p:style>
+        </p:cxnSp>
+        <p:cxnSp>
+          <p:nvCxnSpPr>
+            <p:cNvPr id="50" name="Straight Arrow Connector 49"/>
+            <p:cNvCxnSpPr/>
+            <p:nvPr/>
+          </p:nvCxnSpPr>
+          <p:spPr>
+            <a:xfrm>
+              <a:off x="4936425" y="2487205"/>
+              <a:ext cx="819556" cy="1"/>
+            </a:xfrm>
+            <a:prstGeom prst="straightConnector1">
+              <a:avLst/>
+            </a:prstGeom>
+            <a:ln w="19050">
+              <a:solidFill>
+                <a:srgbClr val="0070C0"/>
+              </a:solidFill>
+              <a:tailEnd type="arrow"/>
+            </a:ln>
+          </p:spPr>
+          <p:style>
+            <a:lnRef idx="1">
+              <a:schemeClr val="accent1"/>
+            </a:lnRef>
+            <a:fillRef idx="0">
+              <a:schemeClr val="accent1"/>
+            </a:fillRef>
+            <a:effectRef idx="0">
+              <a:schemeClr val="accent1"/>
+            </a:effectRef>
+            <a:fontRef idx="minor">
+              <a:schemeClr val="tx1"/>
+            </a:fontRef>
+          </p:style>
+        </p:cxnSp>
+        <p:cxnSp>
+          <p:nvCxnSpPr>
+            <p:cNvPr id="52" name="Straight Arrow Connector 51"/>
+            <p:cNvCxnSpPr/>
+            <p:nvPr/>
+          </p:nvCxnSpPr>
+          <p:spPr>
+            <a:xfrm>
+              <a:off x="4983519" y="2790165"/>
+              <a:ext cx="1600428" cy="0"/>
+            </a:xfrm>
+            <a:prstGeom prst="straightConnector1">
+              <a:avLst/>
+            </a:prstGeom>
+            <a:ln w="19050">
+              <a:solidFill>
+                <a:srgbClr val="0070C0"/>
+              </a:solidFill>
+              <a:prstDash val="sysDash"/>
+              <a:headEnd type="arrow" w="med" len="med"/>
+              <a:tailEnd type="none" w="med" len="med"/>
+            </a:ln>
+          </p:spPr>
+          <p:style>
+            <a:lnRef idx="1">
+              <a:schemeClr val="accent1"/>
+            </a:lnRef>
+            <a:fillRef idx="0">
+              <a:schemeClr val="accent1"/>
+            </a:fillRef>
+            <a:effectRef idx="0">
+              <a:schemeClr val="accent1"/>
+            </a:effectRef>
+            <a:fontRef idx="minor">
+              <a:schemeClr val="tx1"/>
+            </a:fontRef>
+          </p:style>
+        </p:cxnSp>
+        <p:sp>
+          <p:nvSpPr>
+            <p:cNvPr id="4" name="TextBox 3"/>
+            <p:cNvSpPr txBox="1"/>
+            <p:nvPr/>
+          </p:nvSpPr>
+          <p:spPr>
+            <a:xfrm>
+              <a:off x="6557665" y="3513790"/>
+              <a:ext cx="258404" cy="261610"/>
+            </a:xfrm>
+            <a:prstGeom prst="rect">
+              <a:avLst/>
+            </a:prstGeom>
+            <a:noFill/>
+          </p:spPr>
+          <p:txBody>
+            <a:bodyPr wrap="none" rtlCol="0">
+              <a:spAutoFit/>
+            </a:bodyPr>
+            <a:lstStyle/>
+            <a:p>
+              <a:r>
+                <a:rPr lang="en-SG" sz="1100" dirty="0">
+                  <a:solidFill>
+                    <a:srgbClr val="002060"/>
+                  </a:solidFill>
+                </a:rPr>
+                <a:t>X</a:t>
+              </a:r>
+            </a:p>
+          </p:txBody>
+        </p:sp>
       </p:grpSp>
     </p:spTree>
     <p:extLst>
       <p:ext uri="{BB962C8B-B14F-4D97-AF65-F5344CB8AC3E}">
-        <p14:creationId xmlns:p14="http://schemas.microsoft.com/office/powerpoint/2010/main" val="4023378879"/>
+        <p14:creationId xmlns:p14="http://schemas.microsoft.com/office/powerpoint/2010/main" val="3945898909"/>
       </p:ext>
     </p:extLst>
   </p:cSld>

--- a/docs/diagrams/LogicComponentSequenceDiagram.pptx
+++ b/docs/diagrams/LogicComponentSequenceDiagram.pptx
@@ -208,7 +208,7 @@
           <a:p>
             <a:fld id="{F5CC4B3F-88C1-4FFA-B1B6-F41C21DC6924}" type="datetimeFigureOut">
               <a:rPr lang="en-US" smtClean="0"/>
-              <a:t>3/4/2019</a:t>
+              <a:t>4/15/19</a:t>
             </a:fld>
             <a:endParaRPr lang="en-US"/>
           </a:p>
@@ -654,7 +654,7 @@
           <a:p>
             <a:fld id="{78C97017-6FC3-485B-9764-EAC9E56C1D49}" type="datetimeFigureOut">
               <a:rPr lang="en-US" smtClean="0"/>
-              <a:t>3/4/2019</a:t>
+              <a:t>4/15/19</a:t>
             </a:fld>
             <a:endParaRPr lang="en-US"/>
           </a:p>
@@ -822,7 +822,7 @@
           <a:p>
             <a:fld id="{78C97017-6FC3-485B-9764-EAC9E56C1D49}" type="datetimeFigureOut">
               <a:rPr lang="en-US" smtClean="0"/>
-              <a:t>3/4/2019</a:t>
+              <a:t>4/15/19</a:t>
             </a:fld>
             <a:endParaRPr lang="en-US"/>
           </a:p>
@@ -1000,7 +1000,7 @@
           <a:p>
             <a:fld id="{78C97017-6FC3-485B-9764-EAC9E56C1D49}" type="datetimeFigureOut">
               <a:rPr lang="en-US" smtClean="0"/>
-              <a:t>3/4/2019</a:t>
+              <a:t>4/15/19</a:t>
             </a:fld>
             <a:endParaRPr lang="en-US"/>
           </a:p>
@@ -1168,7 +1168,7 @@
           <a:p>
             <a:fld id="{78C97017-6FC3-485B-9764-EAC9E56C1D49}" type="datetimeFigureOut">
               <a:rPr lang="en-US" smtClean="0"/>
-              <a:t>3/4/2019</a:t>
+              <a:t>4/15/19</a:t>
             </a:fld>
             <a:endParaRPr lang="en-US"/>
           </a:p>
@@ -1413,7 +1413,7 @@
           <a:p>
             <a:fld id="{78C97017-6FC3-485B-9764-EAC9E56C1D49}" type="datetimeFigureOut">
               <a:rPr lang="en-US" smtClean="0"/>
-              <a:t>3/4/2019</a:t>
+              <a:t>4/15/19</a:t>
             </a:fld>
             <a:endParaRPr lang="en-US"/>
           </a:p>
@@ -1698,7 +1698,7 @@
           <a:p>
             <a:fld id="{78C97017-6FC3-485B-9764-EAC9E56C1D49}" type="datetimeFigureOut">
               <a:rPr lang="en-US" smtClean="0"/>
-              <a:t>3/4/2019</a:t>
+              <a:t>4/15/19</a:t>
             </a:fld>
             <a:endParaRPr lang="en-US"/>
           </a:p>
@@ -2117,7 +2117,7 @@
           <a:p>
             <a:fld id="{78C97017-6FC3-485B-9764-EAC9E56C1D49}" type="datetimeFigureOut">
               <a:rPr lang="en-US" smtClean="0"/>
-              <a:t>3/4/2019</a:t>
+              <a:t>4/15/19</a:t>
             </a:fld>
             <a:endParaRPr lang="en-US"/>
           </a:p>
@@ -2234,7 +2234,7 @@
           <a:p>
             <a:fld id="{78C97017-6FC3-485B-9764-EAC9E56C1D49}" type="datetimeFigureOut">
               <a:rPr lang="en-US" smtClean="0"/>
-              <a:t>3/4/2019</a:t>
+              <a:t>4/15/19</a:t>
             </a:fld>
             <a:endParaRPr lang="en-US"/>
           </a:p>
@@ -2329,7 +2329,7 @@
           <a:p>
             <a:fld id="{78C97017-6FC3-485B-9764-EAC9E56C1D49}" type="datetimeFigureOut">
               <a:rPr lang="en-US" smtClean="0"/>
-              <a:t>3/4/2019</a:t>
+              <a:t>4/15/19</a:t>
             </a:fld>
             <a:endParaRPr lang="en-US"/>
           </a:p>
@@ -2604,7 +2604,7 @@
           <a:p>
             <a:fld id="{78C97017-6FC3-485B-9764-EAC9E56C1D49}" type="datetimeFigureOut">
               <a:rPr lang="en-US" smtClean="0"/>
-              <a:t>3/4/2019</a:t>
+              <a:t>4/15/19</a:t>
             </a:fld>
             <a:endParaRPr lang="en-US"/>
           </a:p>
@@ -2856,7 +2856,7 @@
           <a:p>
             <a:fld id="{78C97017-6FC3-485B-9764-EAC9E56C1D49}" type="datetimeFigureOut">
               <a:rPr lang="en-US" smtClean="0"/>
-              <a:t>3/4/2019</a:t>
+              <a:t>4/15/19</a:t>
             </a:fld>
             <a:endParaRPr lang="en-US"/>
           </a:p>
@@ -3067,7 +3067,7 @@
           <a:p>
             <a:fld id="{78C97017-6FC3-485B-9764-EAC9E56C1D49}" type="datetimeFigureOut">
               <a:rPr lang="en-US" smtClean="0"/>
-              <a:t>3/4/2019</a:t>
+              <a:t>4/15/19</a:t>
             </a:fld>
             <a:endParaRPr lang="en-US"/>
           </a:p>
@@ -3723,18 +3723,15 @@
                     <a:schemeClr val="bg1"/>
                   </a:solidFill>
                 </a:rPr>
-                <a:t>:Address</a:t>
+                <a:t>:</a:t>
               </a:r>
-            </a:p>
-            <a:p>
-              <a:pPr algn="ctr"/>
               <a:r>
                 <a:rPr lang="en-US" sz="1600" dirty="0" err="1">
                   <a:solidFill>
                     <a:schemeClr val="bg1"/>
                   </a:solidFill>
                 </a:rPr>
-                <a:t>BookParser</a:t>
+                <a:t>CommandParser</a:t>
               </a:r>
               <a:endParaRPr lang="en-SG" sz="1600" dirty="0">
                 <a:solidFill>
